--- a/Presentación/RF Switch.pptx
+++ b/Presentación/RF Switch.pptx
@@ -14,15 +14,16 @@
     <p:sldId id="259" r:id="rId7"/>
     <p:sldId id="260" r:id="rId8"/>
     <p:sldId id="261" r:id="rId9"/>
-    <p:sldId id="267" r:id="rId10"/>
-    <p:sldId id="262" r:id="rId11"/>
-    <p:sldId id="264" r:id="rId12"/>
-    <p:sldId id="265" r:id="rId13"/>
-    <p:sldId id="266" r:id="rId14"/>
-    <p:sldId id="273" r:id="rId15"/>
-    <p:sldId id="274" r:id="rId16"/>
-    <p:sldId id="263" r:id="rId17"/>
-    <p:sldId id="275" r:id="rId18"/>
+    <p:sldId id="277" r:id="rId10"/>
+    <p:sldId id="267" r:id="rId11"/>
+    <p:sldId id="262" r:id="rId12"/>
+    <p:sldId id="264" r:id="rId13"/>
+    <p:sldId id="265" r:id="rId14"/>
+    <p:sldId id="266" r:id="rId15"/>
+    <p:sldId id="273" r:id="rId16"/>
+    <p:sldId id="274" r:id="rId17"/>
+    <p:sldId id="263" r:id="rId18"/>
+    <p:sldId id="275" r:id="rId19"/>
   </p:sldIdLst>
   <p:sldSz cx="9144000" cy="6858000" type="screen4x3"/>
   <p:notesSz cx="6858000" cy="9144000"/>
@@ -4574,16 +4575,216 @@
             <p:ph type="body" sz="quarter" idx="13"/>
           </p:nvPr>
         </p:nvSpPr>
+        <p:spPr>
+          <a:xfrm>
+            <a:off x="554355" y="1041083"/>
+            <a:ext cx="7886700" cy="4749800"/>
+          </a:xfrm>
+        </p:spPr>
+        <p:txBody>
+          <a:bodyPr/>
+          <a:p>
+            <a:pPr marL="0" indent="0">
+              <a:buNone/>
+            </a:pPr>
+            <a:r>
+              <a:rPr lang="x-none" altLang="es-AR"/>
+              <a:t>Resultados:</a:t>
+            </a:r>
+            <a:endParaRPr lang="x-none" altLang="es-AR"/>
+          </a:p>
+          <a:p>
+            <a:pPr marL="0" indent="0">
+              <a:buNone/>
+            </a:pPr>
+            <a:endParaRPr lang="x-none" altLang="es-AR"/>
+          </a:p>
+        </p:txBody>
+      </p:sp>
+      <p:sp>
+        <p:nvSpPr>
+          <p:cNvPr id="5" name="TextBox 4"/>
+          <p:cNvSpPr txBox="1"/>
+          <p:nvPr/>
+        </p:nvSpPr>
+        <p:spPr>
+          <a:xfrm>
+            <a:off x="1033780" y="1718310"/>
+            <a:ext cx="6919595" cy="1557020"/>
+          </a:xfrm>
+          <a:prstGeom prst="rect">
+            <a:avLst/>
+          </a:prstGeom>
+          <a:noFill/>
+        </p:spPr>
+        <p:txBody>
+          <a:bodyPr wrap="none" rtlCol="0">
+            <a:spAutoFit/>
+          </a:bodyPr>
+          <a:p>
+            <a:pPr algn="l">
+              <a:lnSpc>
+                <a:spcPct val="130000"/>
+              </a:lnSpc>
+            </a:pPr>
+            <a:r>
+              <a:rPr lang="es-AR" sz="2000" b="1">
+                <a:solidFill>
+                  <a:srgbClr val="4B4D4F"/>
+                </a:solidFill>
+                <a:latin typeface="Arial" charset="0"/>
+                <a:ea typeface="Microsoft YaHei" charset="0"/>
+                <a:sym typeface="+mn-ea"/>
+              </a:rPr>
+              <a:t>S22 con puerto 2 conectado.</a:t>
+            </a:r>
+            <a:endParaRPr lang="es-AR" sz="2000" b="1">
+              <a:solidFill>
+                <a:srgbClr val="4B4D4F"/>
+              </a:solidFill>
+              <a:latin typeface="Arial" charset="0"/>
+              <a:ea typeface="Microsoft YaHei" charset="0"/>
+            </a:endParaRPr>
+          </a:p>
+          <a:p>
+            <a:pPr algn="l">
+              <a:lnSpc>
+                <a:spcPct val="130000"/>
+              </a:lnSpc>
+            </a:pPr>
+            <a:r>
+              <a:rPr lang="es-AR" sz="2000" b="1">
+                <a:solidFill>
+                  <a:srgbClr val="4B4D4F"/>
+                </a:solidFill>
+                <a:latin typeface="Arial" charset="0"/>
+                <a:ea typeface="Microsoft YaHei" charset="0"/>
+                <a:sym typeface="+mn-ea"/>
+              </a:rPr>
+              <a:t>Coeficiente de reflexion  del puerto que esta conectado.</a:t>
+            </a:r>
+            <a:endParaRPr lang="es-AR" sz="2000" b="1">
+              <a:solidFill>
+                <a:srgbClr val="4B4D4F"/>
+              </a:solidFill>
+              <a:latin typeface="Arial" charset="0"/>
+              <a:ea typeface="Microsoft YaHei" charset="0"/>
+            </a:endParaRPr>
+          </a:p>
+          <a:p>
+            <a:pPr algn="l">
+              <a:lnSpc>
+                <a:spcPct val="130000"/>
+              </a:lnSpc>
+            </a:pPr>
+            <a:endParaRPr lang="x-none" altLang="es-AR" sz="2000" b="1" dirty="0" smtClean="0">
+              <a:latin typeface="Arial" charset="0"/>
+              <a:ea typeface="微软雅黑" pitchFamily="34" charset="-122"/>
+              <a:sym typeface="+mn-ea"/>
+            </a:endParaRPr>
+          </a:p>
+          <a:p>
+            <a:pPr algn="l">
+              <a:lnSpc>
+                <a:spcPct val="130000"/>
+              </a:lnSpc>
+            </a:pPr>
+            <a:endParaRPr lang="x-none" altLang="es-AR" sz="1400" dirty="0" smtClean="0">
+              <a:latin typeface="Arial" charset="0"/>
+              <a:ea typeface="微软雅黑" pitchFamily="34" charset="-122"/>
+            </a:endParaRPr>
+          </a:p>
+        </p:txBody>
+      </p:sp>
+      <p:pic>
+        <p:nvPicPr>
+          <p:cNvPr id="12" name="Picture 3"/>
+          <p:cNvPicPr>
+            <a:picLocks noChangeAspect="1"/>
+          </p:cNvPicPr>
+          <p:nvPr/>
+        </p:nvPicPr>
+        <p:blipFill>
+          <a:blip r:embed="rId1"/>
+          <a:stretch>
+            <a:fillRect/>
+          </a:stretch>
+        </p:blipFill>
+        <p:spPr>
+          <a:xfrm>
+            <a:off x="1050290" y="2987040"/>
+            <a:ext cx="7814945" cy="2969895"/>
+          </a:xfrm>
+          <a:prstGeom prst="rect">
+            <a:avLst/>
+          </a:prstGeom>
+          <a:noFill/>
+          <a:ln w="9525">
+            <a:noFill/>
+            <a:miter/>
+          </a:ln>
+        </p:spPr>
+      </p:pic>
+    </p:spTree>
+  </p:cSld>
+  <p:clrMapOvr>
+    <a:masterClrMapping/>
+  </p:clrMapOvr>
+</p:sld>
+</file>
+
+<file path=ppt/slides/slide11.xml><?xml version="1.0" encoding="utf-8"?>
+<p:sld xmlns:a="http://schemas.openxmlformats.org/drawingml/2006/main" xmlns:r="http://schemas.openxmlformats.org/officeDocument/2006/relationships" xmlns:p="http://schemas.openxmlformats.org/presentationml/2006/main">
+  <p:cSld>
+    <p:spTree>
+      <p:nvGrpSpPr>
+        <p:cNvPr id="1" name=""/>
+        <p:cNvGrpSpPr/>
+        <p:nvPr/>
+      </p:nvGrpSpPr>
+      <p:grpSpPr/>
+      <p:sp>
+        <p:nvSpPr>
+          <p:cNvPr id="2" name="Title 1"/>
+          <p:cNvSpPr>
+            <a:spLocks noGrp="1"/>
+          </p:cNvSpPr>
+          <p:nvPr>
+            <p:ph type="title"/>
+          </p:nvPr>
+        </p:nvSpPr>
         <p:spPr/>
         <p:txBody>
           <a:bodyPr/>
           <a:p>
+            <a:r>
+              <a:rPr lang="x-none" altLang="es-AR"/>
+              <a:t>Simulación</a:t>
+            </a:r>
+            <a:endParaRPr lang="x-none" altLang="es-AR"/>
+          </a:p>
+        </p:txBody>
+      </p:sp>
+      <p:sp>
+        <p:nvSpPr>
+          <p:cNvPr id="3" name="Text Placeholder 2"/>
+          <p:cNvSpPr>
+            <a:spLocks noGrp="1"/>
+          </p:cNvSpPr>
+          <p:nvPr>
+            <p:ph type="body" sz="quarter" idx="13"/>
+          </p:nvPr>
+        </p:nvSpPr>
+        <p:spPr/>
+        <p:txBody>
+          <a:bodyPr/>
+          <a:p>
             <a:pPr marL="0" indent="0">
               <a:buNone/>
             </a:pPr>
             <a:r>
               <a:rPr lang="x-none" altLang="es-AR"/>
-              <a:t>Resultados [Qucs]:</a:t>
+              <a:t>Resultados:</a:t>
             </a:r>
             <a:endParaRPr lang="x-none" altLang="es-AR"/>
           </a:p>
@@ -4697,7 +4898,7 @@
 </p:sld>
 </file>
 
-<file path=ppt/slides/slide11.xml><?xml version="1.0" encoding="utf-8"?>
+<file path=ppt/slides/slide12.xml><?xml version="1.0" encoding="utf-8"?>
 <p:sld xmlns:a="http://schemas.openxmlformats.org/drawingml/2006/main" xmlns:r="http://schemas.openxmlformats.org/officeDocument/2006/relationships" xmlns:p="http://schemas.openxmlformats.org/presentationml/2006/main">
   <p:cSld>
     <p:spTree>
@@ -4874,7 +5075,7 @@
 </p:sld>
 </file>
 
-<file path=ppt/slides/slide12.xml><?xml version="1.0" encoding="utf-8"?>
+<file path=ppt/slides/slide13.xml><?xml version="1.0" encoding="utf-8"?>
 <p:sld xmlns:a="http://schemas.openxmlformats.org/drawingml/2006/main" xmlns:r="http://schemas.openxmlformats.org/officeDocument/2006/relationships" xmlns:p="http://schemas.openxmlformats.org/presentationml/2006/main">
   <p:cSld>
     <p:spTree>
@@ -5014,7 +5215,7 @@
 </p:sld>
 </file>
 
-<file path=ppt/slides/slide13.xml><?xml version="1.0" encoding="utf-8"?>
+<file path=ppt/slides/slide14.xml><?xml version="1.0" encoding="utf-8"?>
 <p:sld xmlns:a="http://schemas.openxmlformats.org/drawingml/2006/main" xmlns:r="http://schemas.openxmlformats.org/officeDocument/2006/relationships" xmlns:p="http://schemas.openxmlformats.org/presentationml/2006/main">
   <p:cSld>
     <p:spTree>
@@ -5191,7 +5392,7 @@
 </p:sld>
 </file>
 
-<file path=ppt/slides/slide14.xml><?xml version="1.0" encoding="utf-8"?>
+<file path=ppt/slides/slide15.xml><?xml version="1.0" encoding="utf-8"?>
 <p:sld xmlns:a="http://schemas.openxmlformats.org/drawingml/2006/main" xmlns:r="http://schemas.openxmlformats.org/officeDocument/2006/relationships" xmlns:p="http://schemas.openxmlformats.org/presentationml/2006/main">
   <p:cSld>
     <p:spTree>
@@ -5292,7 +5493,7 @@
 </p:sld>
 </file>
 
-<file path=ppt/slides/slide15.xml><?xml version="1.0" encoding="utf-8"?>
+<file path=ppt/slides/slide16.xml><?xml version="1.0" encoding="utf-8"?>
 <p:sld xmlns:a="http://schemas.openxmlformats.org/drawingml/2006/main" xmlns:r="http://schemas.openxmlformats.org/officeDocument/2006/relationships" xmlns:p="http://schemas.openxmlformats.org/presentationml/2006/main">
   <p:cSld>
     <p:spTree>
@@ -5440,8 +5641,59 @@
         <p:txBody>
           <a:bodyPr vert="horz" wrap="square" lIns="91440" tIns="45720" rIns="91440" bIns="45720" anchor="t"/>
           <a:p>
-            <a:pPr lvl="0" eaLnBrk="1" hangingPunct="1"/>
-            <a:endParaRPr lang="zh-CN" altLang="en-US" dirty="0"/>
+            <a:pPr lvl="0" eaLnBrk="1" hangingPunct="1">
+              <a:buFont typeface="Arial" charset="0"/>
+              <a:buChar char="•"/>
+            </a:pPr>
+            <a:r>
+              <a:rPr lang="x-none" altLang="zh-CN" sz="2800" b="1" dirty="0"/>
+              <a:t>Descripción del proyecto</a:t>
+            </a:r>
+            <a:endParaRPr lang="x-none" altLang="zh-CN" sz="2800" b="1" dirty="0"/>
+          </a:p>
+          <a:p>
+            <a:pPr lvl="0" eaLnBrk="1" hangingPunct="1">
+              <a:buFont typeface="Arial" charset="0"/>
+              <a:buChar char="•"/>
+            </a:pPr>
+            <a:r>
+              <a:rPr lang="x-none" altLang="zh-CN" sz="2800" b="1" dirty="0"/>
+              <a:t>Diodos PIN</a:t>
+            </a:r>
+            <a:endParaRPr lang="x-none" altLang="zh-CN" sz="2800" b="1" dirty="0"/>
+          </a:p>
+          <a:p>
+            <a:pPr lvl="0" eaLnBrk="1" hangingPunct="1">
+              <a:buFont typeface="Arial" charset="0"/>
+              <a:buChar char="•"/>
+            </a:pPr>
+            <a:r>
+              <a:rPr lang="x-none" altLang="zh-CN" sz="2800" b="1" dirty="0"/>
+              <a:t>Esquemático</a:t>
+            </a:r>
+            <a:endParaRPr lang="x-none" altLang="zh-CN" sz="2800" b="1" dirty="0"/>
+          </a:p>
+          <a:p>
+            <a:pPr lvl="0" eaLnBrk="1" hangingPunct="1">
+              <a:buFont typeface="Arial" charset="0"/>
+              <a:buChar char="•"/>
+            </a:pPr>
+            <a:r>
+              <a:rPr lang="x-none" altLang="zh-CN" sz="2800" b="1" dirty="0"/>
+              <a:t>Simulación</a:t>
+            </a:r>
+            <a:endParaRPr lang="x-none" altLang="zh-CN" sz="2800" b="1" dirty="0"/>
+          </a:p>
+          <a:p>
+            <a:pPr lvl="0" eaLnBrk="1" hangingPunct="1">
+              <a:buFont typeface="Arial" charset="0"/>
+              <a:buChar char="•"/>
+            </a:pPr>
+            <a:r>
+              <a:rPr lang="x-none" altLang="zh-CN" sz="2800" b="1" dirty="0"/>
+              <a:t>Desarrollo del PCB</a:t>
+            </a:r>
+            <a:endParaRPr lang="x-none" altLang="zh-CN" sz="2800" b="1" dirty="0"/>
           </a:p>
         </p:txBody>
       </p:sp>
@@ -5548,7 +5800,7 @@
           <a:p>
             <a:r>
               <a:rPr lang="x-none" altLang="es-AR"/>
-              <a:t>Diodo PIN</a:t>
+              <a:t>Diodos PIN</a:t>
             </a:r>
             <a:endParaRPr lang="x-none" altLang="es-AR"/>
           </a:p>
@@ -6555,6 +6807,203 @@
         </p:nvSpPr>
         <p:spPr>
           <a:xfrm>
+            <a:off x="609600" y="872808"/>
+            <a:ext cx="7886700" cy="4749800"/>
+          </a:xfrm>
+        </p:spPr>
+        <p:txBody>
+          <a:bodyPr/>
+          <a:p>
+            <a:pPr marL="0" indent="0">
+              <a:lnSpc>
+                <a:spcPct val="50000"/>
+              </a:lnSpc>
+              <a:buNone/>
+            </a:pPr>
+            <a:r>
+              <a:rPr lang="x-none" altLang="es-AR" b="1"/>
+              <a:t>Valores del diodo PIN BAR64-02V (Infineon)</a:t>
+            </a:r>
+            <a:endParaRPr lang="x-none" altLang="es-AR" b="1"/>
+          </a:p>
+          <a:p>
+            <a:pPr marL="0" indent="0" algn="ctr">
+              <a:lnSpc>
+                <a:spcPct val="50000"/>
+              </a:lnSpc>
+              <a:buNone/>
+            </a:pPr>
+            <a:r>
+              <a:rPr lang="x-none" altLang="es-AR"/>
+              <a:t>Rs: 1 ohm ; 50 ohm (polarización)</a:t>
+            </a:r>
+            <a:endParaRPr lang="x-none" altLang="es-AR"/>
+          </a:p>
+          <a:p>
+            <a:pPr marL="0" indent="0" algn="ctr">
+              <a:lnSpc>
+                <a:spcPct val="50000"/>
+              </a:lnSpc>
+              <a:buNone/>
+            </a:pPr>
+            <a:r>
+              <a:rPr lang="x-none" altLang="es-AR">
+                <a:cs typeface="Droid Sans" charset="0"/>
+              </a:rPr>
+              <a:t>L: </a:t>
+            </a:r>
+            <a:r>
+              <a:rPr lang="x-none" altLang="es-AR">
+                <a:latin typeface="Arial" charset="0"/>
+                <a:cs typeface="Droid Sans" charset="0"/>
+              </a:rPr>
+              <a:t>≈ 1 nHy (despreciable)</a:t>
+            </a:r>
+            <a:endParaRPr lang="x-none" altLang="es-AR">
+              <a:latin typeface="Arial" charset="0"/>
+              <a:cs typeface="Droid Sans" charset="0"/>
+            </a:endParaRPr>
+          </a:p>
+          <a:p>
+            <a:pPr marL="0" indent="0" algn="ctr">
+              <a:lnSpc>
+                <a:spcPct val="50000"/>
+              </a:lnSpc>
+              <a:buNone/>
+            </a:pPr>
+            <a:r>
+              <a:rPr lang="x-none" altLang="es-AR">
+                <a:latin typeface="Arial" charset="0"/>
+                <a:cs typeface="Droid Sans" charset="0"/>
+              </a:rPr>
+              <a:t>Rp: 3 Kohm @ 1.8 Ghz</a:t>
+            </a:r>
+            <a:endParaRPr lang="x-none" altLang="es-AR">
+              <a:latin typeface="Arial" charset="0"/>
+              <a:cs typeface="Droid Sans" charset="0"/>
+            </a:endParaRPr>
+          </a:p>
+          <a:p>
+            <a:pPr marL="0" indent="0" algn="ctr">
+              <a:lnSpc>
+                <a:spcPct val="50000"/>
+              </a:lnSpc>
+              <a:buNone/>
+            </a:pPr>
+            <a:r>
+              <a:rPr lang="x-none" altLang="es-AR">
+                <a:latin typeface="Arial" charset="0"/>
+                <a:cs typeface="Droid Sans" charset="0"/>
+              </a:rPr>
+              <a:t>Ct: 0.17 pF @ 1.8 Ghz</a:t>
+            </a:r>
+            <a:endParaRPr lang="x-none" altLang="es-AR">
+              <a:latin typeface="Arial" charset="0"/>
+              <a:cs typeface="Droid Sans" charset="0"/>
+            </a:endParaRPr>
+          </a:p>
+        </p:txBody>
+      </p:sp>
+      <p:pic>
+        <p:nvPicPr>
+          <p:cNvPr id="6" name="Picture 5"/>
+          <p:cNvPicPr>
+            <a:picLocks noChangeAspect="1"/>
+          </p:cNvPicPr>
+          <p:nvPr/>
+        </p:nvPicPr>
+        <p:blipFill>
+          <a:blip r:embed="rId1"/>
+          <a:stretch>
+            <a:fillRect/>
+          </a:stretch>
+        </p:blipFill>
+        <p:spPr>
+          <a:xfrm>
+            <a:off x="1291590" y="3027680"/>
+            <a:ext cx="3103245" cy="3664585"/>
+          </a:xfrm>
+          <a:prstGeom prst="rect">
+            <a:avLst/>
+          </a:prstGeom>
+        </p:spPr>
+      </p:pic>
+      <p:pic>
+        <p:nvPicPr>
+          <p:cNvPr id="7" name="Picture 6"/>
+          <p:cNvPicPr>
+            <a:picLocks noChangeAspect="1"/>
+          </p:cNvPicPr>
+          <p:nvPr/>
+        </p:nvPicPr>
+        <p:blipFill>
+          <a:blip r:embed="rId2"/>
+          <a:stretch>
+            <a:fillRect/>
+          </a:stretch>
+        </p:blipFill>
+        <p:spPr>
+          <a:xfrm>
+            <a:off x="4905375" y="3039745"/>
+            <a:ext cx="2941320" cy="3708400"/>
+          </a:xfrm>
+          <a:prstGeom prst="rect">
+            <a:avLst/>
+          </a:prstGeom>
+        </p:spPr>
+      </p:pic>
+    </p:spTree>
+  </p:cSld>
+  <p:clrMapOvr>
+    <a:masterClrMapping/>
+  </p:clrMapOvr>
+</p:sld>
+</file>
+
+<file path=ppt/slides/slide8.xml><?xml version="1.0" encoding="utf-8"?>
+<p:sld xmlns:a="http://schemas.openxmlformats.org/drawingml/2006/main" xmlns:r="http://schemas.openxmlformats.org/officeDocument/2006/relationships" xmlns:p="http://schemas.openxmlformats.org/presentationml/2006/main">
+  <p:cSld>
+    <p:spTree>
+      <p:nvGrpSpPr>
+        <p:cNvPr id="1" name=""/>
+        <p:cNvGrpSpPr/>
+        <p:nvPr/>
+      </p:nvGrpSpPr>
+      <p:grpSpPr/>
+      <p:sp>
+        <p:nvSpPr>
+          <p:cNvPr id="2" name="Title 1"/>
+          <p:cNvSpPr>
+            <a:spLocks noGrp="1"/>
+          </p:cNvSpPr>
+          <p:nvPr>
+            <p:ph type="title"/>
+          </p:nvPr>
+        </p:nvSpPr>
+        <p:spPr/>
+        <p:txBody>
+          <a:bodyPr/>
+          <a:p>
+            <a:r>
+              <a:rPr lang="x-none" altLang="es-AR"/>
+              <a:t>Simulación</a:t>
+            </a:r>
+            <a:endParaRPr lang="x-none" altLang="es-AR"/>
+          </a:p>
+        </p:txBody>
+      </p:sp>
+      <p:sp>
+        <p:nvSpPr>
+          <p:cNvPr id="3" name="Text Placeholder 2"/>
+          <p:cNvSpPr>
+            <a:spLocks noGrp="1"/>
+          </p:cNvSpPr>
+          <p:nvPr>
+            <p:ph type="body" sz="quarter" idx="13"/>
+          </p:nvPr>
+        </p:nvSpPr>
+        <p:spPr>
+          <a:xfrm>
             <a:off x="520065" y="1307148"/>
             <a:ext cx="7886700" cy="4749800"/>
           </a:xfrm>
@@ -6567,7 +7016,7 @@
             </a:pPr>
             <a:r>
               <a:rPr lang="x-none" altLang="es-AR"/>
-              <a:t>Microstrip de Qucs: (No es realmente necesaria esta slide)</a:t>
+              <a:t>Microstrip de Qucs: </a:t>
             </a:r>
             <a:endParaRPr lang="x-none" altLang="es-AR"/>
           </a:p>
@@ -6641,7 +7090,7 @@
 </p:sld>
 </file>
 
-<file path=ppt/slides/slide8.xml><?xml version="1.0" encoding="utf-8"?>
+<file path=ppt/slides/slide9.xml><?xml version="1.0" encoding="utf-8"?>
 <p:sld xmlns:a="http://schemas.openxmlformats.org/drawingml/2006/main" xmlns:r="http://schemas.openxmlformats.org/officeDocument/2006/relationships" xmlns:p="http://schemas.openxmlformats.org/presentationml/2006/main">
   <p:cSld>
     <p:spTree>
@@ -6828,8 +7277,12 @@
               <a:buNone/>
             </a:pPr>
             <a:r>
+              <a:rPr lang="x-none" altLang="es-AR" sz="2800"/>
+              <a:t>Resultados</a:t>
+            </a:r>
+            <a:r>
               <a:rPr lang="x-none" altLang="es-AR"/>
-              <a:t>Resultados:</a:t>
+              <a:t>:</a:t>
             </a:r>
             <a:endParaRPr lang="x-none" altLang="es-AR"/>
           </a:p>
@@ -6841,206 +7294,6 @@
           </a:p>
         </p:txBody>
       </p:sp>
-    </p:spTree>
-  </p:cSld>
-  <p:clrMapOvr>
-    <a:masterClrMapping/>
-  </p:clrMapOvr>
-</p:sld>
-</file>
-
-<file path=ppt/slides/slide9.xml><?xml version="1.0" encoding="utf-8"?>
-<p:sld xmlns:a="http://schemas.openxmlformats.org/drawingml/2006/main" xmlns:r="http://schemas.openxmlformats.org/officeDocument/2006/relationships" xmlns:p="http://schemas.openxmlformats.org/presentationml/2006/main">
-  <p:cSld>
-    <p:spTree>
-      <p:nvGrpSpPr>
-        <p:cNvPr id="1" name=""/>
-        <p:cNvGrpSpPr/>
-        <p:nvPr/>
-      </p:nvGrpSpPr>
-      <p:grpSpPr/>
-      <p:sp>
-        <p:nvSpPr>
-          <p:cNvPr id="2" name="Title 1"/>
-          <p:cNvSpPr>
-            <a:spLocks noGrp="1"/>
-          </p:cNvSpPr>
-          <p:nvPr>
-            <p:ph type="title"/>
-          </p:nvPr>
-        </p:nvSpPr>
-        <p:spPr/>
-        <p:txBody>
-          <a:bodyPr/>
-          <a:p>
-            <a:r>
-              <a:rPr lang="x-none" altLang="es-AR"/>
-              <a:t>Simulación</a:t>
-            </a:r>
-            <a:endParaRPr lang="x-none" altLang="es-AR"/>
-          </a:p>
-        </p:txBody>
-      </p:sp>
-      <p:sp>
-        <p:nvSpPr>
-          <p:cNvPr id="3" name="Text Placeholder 2"/>
-          <p:cNvSpPr>
-            <a:spLocks noGrp="1"/>
-          </p:cNvSpPr>
-          <p:nvPr>
-            <p:ph type="body" sz="quarter" idx="13"/>
-          </p:nvPr>
-        </p:nvSpPr>
-        <p:spPr>
-          <a:xfrm>
-            <a:off x="554355" y="1041083"/>
-            <a:ext cx="7886700" cy="4749800"/>
-          </a:xfrm>
-        </p:spPr>
-        <p:txBody>
-          <a:bodyPr/>
-          <a:p>
-            <a:pPr marL="0" indent="0">
-              <a:buNone/>
-            </a:pPr>
-            <a:r>
-              <a:rPr lang="x-none" altLang="es-AR"/>
-              <a:t>Resultados:</a:t>
-            </a:r>
-            <a:endParaRPr lang="x-none" altLang="es-AR"/>
-          </a:p>
-          <a:p>
-            <a:pPr marL="0" indent="0">
-              <a:buNone/>
-            </a:pPr>
-            <a:endParaRPr lang="x-none" altLang="es-AR"/>
-          </a:p>
-        </p:txBody>
-      </p:sp>
-      <p:sp>
-        <p:nvSpPr>
-          <p:cNvPr id="5" name="TextBox 4"/>
-          <p:cNvSpPr txBox="1"/>
-          <p:nvPr/>
-        </p:nvSpPr>
-        <p:spPr>
-          <a:xfrm>
-            <a:off x="1033780" y="1718310"/>
-            <a:ext cx="6919595" cy="1557020"/>
-          </a:xfrm>
-          <a:prstGeom prst="rect">
-            <a:avLst/>
-          </a:prstGeom>
-          <a:noFill/>
-        </p:spPr>
-        <p:txBody>
-          <a:bodyPr wrap="none" rtlCol="0">
-            <a:spAutoFit/>
-          </a:bodyPr>
-          <a:p>
-            <a:pPr algn="l">
-              <a:lnSpc>
-                <a:spcPct val="130000"/>
-              </a:lnSpc>
-            </a:pPr>
-            <a:r>
-              <a:rPr lang="es-AR" sz="2000" b="1">
-                <a:solidFill>
-                  <a:srgbClr val="4B4D4F"/>
-                </a:solidFill>
-                <a:latin typeface="Arial" charset="0"/>
-                <a:ea typeface="Microsoft YaHei" charset="0"/>
-                <a:sym typeface="+mn-ea"/>
-              </a:rPr>
-              <a:t>S22 con puerto 2 conectado.</a:t>
-            </a:r>
-            <a:endParaRPr lang="es-AR" sz="2000" b="1">
-              <a:solidFill>
-                <a:srgbClr val="4B4D4F"/>
-              </a:solidFill>
-              <a:latin typeface="Arial" charset="0"/>
-              <a:ea typeface="Microsoft YaHei" charset="0"/>
-            </a:endParaRPr>
-          </a:p>
-          <a:p>
-            <a:pPr algn="l">
-              <a:lnSpc>
-                <a:spcPct val="130000"/>
-              </a:lnSpc>
-            </a:pPr>
-            <a:r>
-              <a:rPr lang="es-AR" sz="2000" b="1">
-                <a:solidFill>
-                  <a:srgbClr val="4B4D4F"/>
-                </a:solidFill>
-                <a:latin typeface="Arial" charset="0"/>
-                <a:ea typeface="Microsoft YaHei" charset="0"/>
-                <a:sym typeface="+mn-ea"/>
-              </a:rPr>
-              <a:t>Coeficiente de reflexion  del puerto que esta conectado.</a:t>
-            </a:r>
-            <a:endParaRPr lang="es-AR" sz="2000" b="1">
-              <a:solidFill>
-                <a:srgbClr val="4B4D4F"/>
-              </a:solidFill>
-              <a:latin typeface="Arial" charset="0"/>
-              <a:ea typeface="Microsoft YaHei" charset="0"/>
-            </a:endParaRPr>
-          </a:p>
-          <a:p>
-            <a:pPr algn="l">
-              <a:lnSpc>
-                <a:spcPct val="130000"/>
-              </a:lnSpc>
-            </a:pPr>
-            <a:endParaRPr lang="x-none" altLang="es-AR" sz="2000" b="1" dirty="0" smtClean="0">
-              <a:latin typeface="Arial" charset="0"/>
-              <a:ea typeface="微软雅黑" pitchFamily="34" charset="-122"/>
-              <a:sym typeface="+mn-ea"/>
-            </a:endParaRPr>
-          </a:p>
-          <a:p>
-            <a:pPr algn="l">
-              <a:lnSpc>
-                <a:spcPct val="130000"/>
-              </a:lnSpc>
-            </a:pPr>
-            <a:endParaRPr lang="x-none" altLang="es-AR" sz="1400" dirty="0" smtClean="0">
-              <a:latin typeface="Arial" charset="0"/>
-              <a:ea typeface="微软雅黑" pitchFamily="34" charset="-122"/>
-            </a:endParaRPr>
-          </a:p>
-        </p:txBody>
-      </p:sp>
-      <p:pic>
-        <p:nvPicPr>
-          <p:cNvPr id="12" name="Picture 3"/>
-          <p:cNvPicPr>
-            <a:picLocks noChangeAspect="1"/>
-          </p:cNvPicPr>
-          <p:nvPr/>
-        </p:nvPicPr>
-        <p:blipFill>
-          <a:blip r:embed="rId1"/>
-          <a:stretch>
-            <a:fillRect/>
-          </a:stretch>
-        </p:blipFill>
-        <p:spPr>
-          <a:xfrm>
-            <a:off x="1050290" y="2987040"/>
-            <a:ext cx="7814945" cy="2969895"/>
-          </a:xfrm>
-          <a:prstGeom prst="rect">
-            <a:avLst/>
-          </a:prstGeom>
-          <a:noFill/>
-          <a:ln w="9525">
-            <a:noFill/>
-            <a:miter/>
-          </a:ln>
-        </p:spPr>
-      </p:pic>
     </p:spTree>
   </p:cSld>
   <p:clrMapOvr>

--- a/Presentación/RF Switch.pptx
+++ b/Presentación/RF Switch.pptx
@@ -15,15 +15,15 @@
     <p:sldId id="260" r:id="rId8"/>
     <p:sldId id="261" r:id="rId9"/>
     <p:sldId id="277" r:id="rId10"/>
-    <p:sldId id="267" r:id="rId11"/>
-    <p:sldId id="262" r:id="rId12"/>
-    <p:sldId id="264" r:id="rId13"/>
-    <p:sldId id="265" r:id="rId14"/>
-    <p:sldId id="266" r:id="rId15"/>
-    <p:sldId id="273" r:id="rId16"/>
-    <p:sldId id="274" r:id="rId17"/>
-    <p:sldId id="263" r:id="rId18"/>
-    <p:sldId id="275" r:id="rId19"/>
+    <p:sldId id="262" r:id="rId11"/>
+    <p:sldId id="264" r:id="rId12"/>
+    <p:sldId id="265" r:id="rId13"/>
+    <p:sldId id="266" r:id="rId14"/>
+    <p:sldId id="273" r:id="rId15"/>
+    <p:sldId id="274" r:id="rId16"/>
+    <p:sldId id="263" r:id="rId17"/>
+    <p:sldId id="275" r:id="rId18"/>
+    <p:sldId id="287" r:id="rId19"/>
   </p:sldIdLst>
   <p:sldSz cx="9144000" cy="6858000" type="screen4x3"/>
   <p:notesSz cx="6858000" cy="9144000"/>
@@ -416,7 +416,7 @@
               </a:spcAft>
               <a:buClrTx/>
               <a:buSzTx/>
-              <a:buFont typeface="Arial" charset="0"/>
+              <a:buFont typeface="Arial" panose="02080604020202020204" charset="0"/>
               <a:buNone/>
               <a:defRPr/>
             </a:pPr>
@@ -472,7 +472,7 @@
               </a:spcAft>
               <a:buClrTx/>
               <a:buSzTx/>
-              <a:buFont typeface="Arial" charset="0"/>
+              <a:buFont typeface="Arial" panose="02080604020202020204" charset="0"/>
               <a:buNone/>
               <a:defRPr/>
             </a:pPr>
@@ -693,7 +693,7 @@
       <a:spcAft>
         <a:spcPct val="0"/>
       </a:spcAft>
-      <a:buFont typeface="Arial" charset="0"/>
+      <a:buFont typeface="Arial" panose="02080604020202020204" charset="0"/>
       <a:defRPr sz="1400" kern="1200">
         <a:solidFill>
           <a:srgbClr val="FF0000"/>
@@ -1659,9 +1659,23 @@
             <p:ph type="sldNum" sz="quarter" idx="12"/>
           </p:nvPr>
         </p:nvSpPr>
-        <p:spPr/>
+        <p:spPr>
+          <a:xfrm>
+            <a:off x="7129145" y="6479540"/>
+            <a:ext cx="2033270" cy="365125"/>
+          </a:xfrm>
+        </p:spPr>
         <p:txBody>
           <a:bodyPr/>
+          <a:lstStyle>
+            <a:lvl1pPr>
+              <a:defRPr b="1">
+                <a:solidFill>
+                  <a:schemeClr val="tx2"/>
+                </a:solidFill>
+              </a:defRPr>
+            </a:lvl1pPr>
+          </a:lstStyle>
           <a:p>
             <a:pPr marL="0" marR="0" lvl="0" indent="0" algn="r" defTabSz="914400" rtl="0" eaLnBrk="1" fontAlgn="auto" latinLnBrk="0" hangingPunct="1">
               <a:lnSpc>
@@ -1680,15 +1694,10 @@
               <a:defRPr/>
             </a:pPr>
             <a:fld id="{DA8737CF-8BDE-4872-BEE7-227F0B579AF3}" type="slidenum">
-              <a:rPr kumimoji="0" lang="zh-CN" altLang="en-US" sz="1200" b="0" i="0" u="none" strike="noStrike" kern="1200" cap="none" spc="0" normalizeH="0" baseline="0" noProof="0">
+              <a:rPr kumimoji="0" lang="zh-CN" altLang="en-US" sz="1200" i="0" u="none" strike="noStrike" kern="1200" cap="none" spc="0" normalizeH="0" baseline="0" noProof="0">
                 <a:ln>
                   <a:noFill/>
                 </a:ln>
-                <a:solidFill>
-                  <a:schemeClr val="tx1">
-                    <a:tint val="75000"/>
-                  </a:schemeClr>
-                </a:solidFill>
                 <a:effectLst/>
                 <a:uLnTx/>
                 <a:uFillTx/>
@@ -1954,19 +1963,72 @@
           </a:p>
         </p:txBody>
       </p:sp>
-      <p:sp>
-        <p:nvSpPr>
-          <p:cNvPr id="7" name="Slide Number Placeholder 6"/>
+      <p:pic>
+        <p:nvPicPr>
+          <p:cNvPr id="8" name="Picture 7"/>
+          <p:cNvPicPr>
+            <a:picLocks noChangeAspect="1"/>
+          </p:cNvPicPr>
+          <p:nvPr userDrawn="1"/>
+        </p:nvPicPr>
+        <p:blipFill>
+          <a:blip r:embed="rId2">
+            <a:clrChange>
+              <a:clrFrom>
+                <a:srgbClr val="FFFFFF">
+                  <a:alpha val="100000"/>
+                </a:srgbClr>
+              </a:clrFrom>
+              <a:clrTo>
+                <a:srgbClr val="FFFFFF">
+                  <a:alpha val="100000"/>
+                  <a:alpha val="0"/>
+                </a:srgbClr>
+              </a:clrTo>
+            </a:clrChange>
+          </a:blip>
+          <a:stretch>
+            <a:fillRect/>
+          </a:stretch>
+        </p:blipFill>
+        <p:spPr>
+          <a:xfrm>
+            <a:off x="7994650" y="5868035"/>
+            <a:ext cx="895985" cy="865505"/>
+          </a:xfrm>
+          <a:prstGeom prst="rect">
+            <a:avLst/>
+          </a:prstGeom>
+        </p:spPr>
+      </p:pic>
+      <p:sp>
+        <p:nvSpPr>
+          <p:cNvPr id="9" name="Slide Number Placeholder 5"/>
           <p:cNvSpPr>
             <a:spLocks noGrp="1"/>
           </p:cNvSpPr>
-          <p:nvPr>
-            <p:ph type="sldNum" sz="quarter" idx="12"/>
-          </p:nvPr>
-        </p:nvSpPr>
-        <p:spPr/>
-        <p:txBody>
-          <a:bodyPr/>
+          <p:nvPr userDrawn="1"/>
+        </p:nvSpPr>
+        <p:spPr>
+          <a:xfrm>
+            <a:off x="7129145" y="6479540"/>
+            <a:ext cx="2033270" cy="365125"/>
+          </a:xfrm>
+          <a:prstGeom prst="rect">
+            <a:avLst/>
+          </a:prstGeom>
+        </p:spPr>
+        <p:txBody>
+          <a:bodyPr vert="horz" lIns="91440" tIns="45720" rIns="91440" bIns="45720" rtlCol="0" anchor="ctr"/>
+          <a:lstStyle>
+            <a:lvl1pPr>
+              <a:defRPr b="1">
+                <a:solidFill>
+                  <a:schemeClr val="tx2"/>
+                </a:solidFill>
+              </a:defRPr>
+            </a:lvl1pPr>
+          </a:lstStyle>
           <a:p>
             <a:pPr marL="0" marR="0" lvl="0" indent="0" algn="r" defTabSz="914400" rtl="0" eaLnBrk="1" fontAlgn="auto" latinLnBrk="0" hangingPunct="1">
               <a:lnSpc>
@@ -1985,15 +2047,10 @@
               <a:defRPr/>
             </a:pPr>
             <a:fld id="{DA8737CF-8BDE-4872-BEE7-227F0B579AF3}" type="slidenum">
-              <a:rPr kumimoji="0" lang="zh-CN" altLang="en-US" sz="1200" b="0" i="0" u="none" strike="noStrike" kern="1200" cap="none" spc="0" normalizeH="0" baseline="0" noProof="0">
+              <a:rPr kumimoji="0" lang="zh-CN" altLang="en-US" sz="1200" i="0" u="none" strike="noStrike" kern="1200" cap="none" spc="0" normalizeH="0" baseline="0" noProof="0">
                 <a:ln>
                   <a:noFill/>
                 </a:ln>
-                <a:solidFill>
-                  <a:schemeClr val="tx1">
-                    <a:tint val="75000"/>
-                  </a:schemeClr>
-                </a:solidFill>
                 <a:effectLst/>
                 <a:uLnTx/>
                 <a:uFillTx/>
@@ -2400,19 +2457,72 @@
           </a:p>
         </p:txBody>
       </p:sp>
-      <p:sp>
-        <p:nvSpPr>
-          <p:cNvPr id="9" name="Slide Number Placeholder 8"/>
+      <p:pic>
+        <p:nvPicPr>
+          <p:cNvPr id="10" name="Picture 9"/>
+          <p:cNvPicPr>
+            <a:picLocks noChangeAspect="1"/>
+          </p:cNvPicPr>
+          <p:nvPr userDrawn="1"/>
+        </p:nvPicPr>
+        <p:blipFill>
+          <a:blip r:embed="rId2">
+            <a:clrChange>
+              <a:clrFrom>
+                <a:srgbClr val="FFFFFF">
+                  <a:alpha val="100000"/>
+                </a:srgbClr>
+              </a:clrFrom>
+              <a:clrTo>
+                <a:srgbClr val="FFFFFF">
+                  <a:alpha val="100000"/>
+                  <a:alpha val="0"/>
+                </a:srgbClr>
+              </a:clrTo>
+            </a:clrChange>
+          </a:blip>
+          <a:stretch>
+            <a:fillRect/>
+          </a:stretch>
+        </p:blipFill>
+        <p:spPr>
+          <a:xfrm>
+            <a:off x="7994650" y="5868035"/>
+            <a:ext cx="895985" cy="865505"/>
+          </a:xfrm>
+          <a:prstGeom prst="rect">
+            <a:avLst/>
+          </a:prstGeom>
+        </p:spPr>
+      </p:pic>
+      <p:sp>
+        <p:nvSpPr>
+          <p:cNvPr id="11" name="Slide Number Placeholder 5"/>
           <p:cNvSpPr>
             <a:spLocks noGrp="1"/>
           </p:cNvSpPr>
-          <p:nvPr>
-            <p:ph type="sldNum" sz="quarter" idx="12"/>
-          </p:nvPr>
-        </p:nvSpPr>
-        <p:spPr/>
-        <p:txBody>
-          <a:bodyPr/>
+          <p:nvPr userDrawn="1"/>
+        </p:nvSpPr>
+        <p:spPr>
+          <a:xfrm>
+            <a:off x="7129145" y="6479540"/>
+            <a:ext cx="2033270" cy="365125"/>
+          </a:xfrm>
+          <a:prstGeom prst="rect">
+            <a:avLst/>
+          </a:prstGeom>
+        </p:spPr>
+        <p:txBody>
+          <a:bodyPr vert="horz" lIns="91440" tIns="45720" rIns="91440" bIns="45720" rtlCol="0" anchor="ctr"/>
+          <a:lstStyle>
+            <a:lvl1pPr>
+              <a:defRPr b="1">
+                <a:solidFill>
+                  <a:schemeClr val="tx2"/>
+                </a:solidFill>
+              </a:defRPr>
+            </a:lvl1pPr>
+          </a:lstStyle>
           <a:p>
             <a:pPr marL="0" marR="0" lvl="0" indent="0" algn="r" defTabSz="914400" rtl="0" eaLnBrk="1" fontAlgn="auto" latinLnBrk="0" hangingPunct="1">
               <a:lnSpc>
@@ -2431,15 +2541,10 @@
               <a:defRPr/>
             </a:pPr>
             <a:fld id="{DA8737CF-8BDE-4872-BEE7-227F0B579AF3}" type="slidenum">
-              <a:rPr kumimoji="0" lang="zh-CN" altLang="en-US" sz="1200" b="0" i="0" u="none" strike="noStrike" kern="1200" cap="none" spc="0" normalizeH="0" baseline="0" noProof="0">
+              <a:rPr kumimoji="0" lang="zh-CN" altLang="en-US" sz="1200" i="0" u="none" strike="noStrike" kern="1200" cap="none" spc="0" normalizeH="0" baseline="0" noProof="0">
                 <a:ln>
                   <a:noFill/>
                 </a:ln>
-                <a:solidFill>
-                  <a:schemeClr val="tx1">
-                    <a:tint val="75000"/>
-                  </a:schemeClr>
-                </a:solidFill>
                 <a:effectLst/>
                 <a:uLnTx/>
                 <a:uFillTx/>
@@ -2631,19 +2736,72 @@
           </a:p>
         </p:txBody>
       </p:sp>
-      <p:sp>
-        <p:nvSpPr>
-          <p:cNvPr id="5" name="Slide Number Placeholder 4"/>
+      <p:pic>
+        <p:nvPicPr>
+          <p:cNvPr id="6" name="Picture 5"/>
+          <p:cNvPicPr>
+            <a:picLocks noChangeAspect="1"/>
+          </p:cNvPicPr>
+          <p:nvPr userDrawn="1"/>
+        </p:nvPicPr>
+        <p:blipFill>
+          <a:blip r:embed="rId2">
+            <a:clrChange>
+              <a:clrFrom>
+                <a:srgbClr val="FFFFFF">
+                  <a:alpha val="100000"/>
+                </a:srgbClr>
+              </a:clrFrom>
+              <a:clrTo>
+                <a:srgbClr val="FFFFFF">
+                  <a:alpha val="100000"/>
+                  <a:alpha val="0"/>
+                </a:srgbClr>
+              </a:clrTo>
+            </a:clrChange>
+          </a:blip>
+          <a:stretch>
+            <a:fillRect/>
+          </a:stretch>
+        </p:blipFill>
+        <p:spPr>
+          <a:xfrm>
+            <a:off x="7994650" y="5868035"/>
+            <a:ext cx="895985" cy="865505"/>
+          </a:xfrm>
+          <a:prstGeom prst="rect">
+            <a:avLst/>
+          </a:prstGeom>
+        </p:spPr>
+      </p:pic>
+      <p:sp>
+        <p:nvSpPr>
+          <p:cNvPr id="7" name="Slide Number Placeholder 5"/>
           <p:cNvSpPr>
             <a:spLocks noGrp="1"/>
           </p:cNvSpPr>
-          <p:nvPr>
-            <p:ph type="sldNum" sz="quarter" idx="12"/>
-          </p:nvPr>
-        </p:nvSpPr>
-        <p:spPr/>
-        <p:txBody>
-          <a:bodyPr/>
+          <p:nvPr userDrawn="1"/>
+        </p:nvSpPr>
+        <p:spPr>
+          <a:xfrm>
+            <a:off x="7129145" y="6479540"/>
+            <a:ext cx="2033270" cy="365125"/>
+          </a:xfrm>
+          <a:prstGeom prst="rect">
+            <a:avLst/>
+          </a:prstGeom>
+        </p:spPr>
+        <p:txBody>
+          <a:bodyPr vert="horz" lIns="91440" tIns="45720" rIns="91440" bIns="45720" rtlCol="0" anchor="ctr"/>
+          <a:lstStyle>
+            <a:lvl1pPr>
+              <a:defRPr b="1">
+                <a:solidFill>
+                  <a:schemeClr val="tx2"/>
+                </a:solidFill>
+              </a:defRPr>
+            </a:lvl1pPr>
+          </a:lstStyle>
           <a:p>
             <a:pPr marL="0" marR="0" lvl="0" indent="0" algn="r" defTabSz="914400" rtl="0" eaLnBrk="1" fontAlgn="auto" latinLnBrk="0" hangingPunct="1">
               <a:lnSpc>
@@ -2662,15 +2820,10 @@
               <a:defRPr/>
             </a:pPr>
             <a:fld id="{DA8737CF-8BDE-4872-BEE7-227F0B579AF3}" type="slidenum">
-              <a:rPr kumimoji="0" lang="zh-CN" altLang="en-US" sz="1200" b="0" i="0" u="none" strike="noStrike" kern="1200" cap="none" spc="0" normalizeH="0" baseline="0" noProof="0">
+              <a:rPr kumimoji="0" lang="zh-CN" altLang="en-US" sz="1200" i="0" u="none" strike="noStrike" kern="1200" cap="none" spc="0" normalizeH="0" baseline="0" noProof="0">
                 <a:ln>
                   <a:noFill/>
                 </a:ln>
-                <a:solidFill>
-                  <a:schemeClr val="tx1">
-                    <a:tint val="75000"/>
-                  </a:schemeClr>
-                </a:solidFill>
                 <a:effectLst/>
                 <a:uLnTx/>
                 <a:uFillTx/>
@@ -2894,19 +3047,72 @@
           </a:p>
         </p:txBody>
       </p:sp>
-      <p:sp>
-        <p:nvSpPr>
-          <p:cNvPr id="6" name="Slide Number Placeholder 5"/>
+      <p:pic>
+        <p:nvPicPr>
+          <p:cNvPr id="7" name="Picture 6"/>
+          <p:cNvPicPr>
+            <a:picLocks noChangeAspect="1"/>
+          </p:cNvPicPr>
+          <p:nvPr userDrawn="1"/>
+        </p:nvPicPr>
+        <p:blipFill>
+          <a:blip r:embed="rId2">
+            <a:clrChange>
+              <a:clrFrom>
+                <a:srgbClr val="FFFFFF">
+                  <a:alpha val="100000"/>
+                </a:srgbClr>
+              </a:clrFrom>
+              <a:clrTo>
+                <a:srgbClr val="FFFFFF">
+                  <a:alpha val="100000"/>
+                  <a:alpha val="0"/>
+                </a:srgbClr>
+              </a:clrTo>
+            </a:clrChange>
+          </a:blip>
+          <a:stretch>
+            <a:fillRect/>
+          </a:stretch>
+        </p:blipFill>
+        <p:spPr>
+          <a:xfrm>
+            <a:off x="7994650" y="5868035"/>
+            <a:ext cx="895985" cy="865505"/>
+          </a:xfrm>
+          <a:prstGeom prst="rect">
+            <a:avLst/>
+          </a:prstGeom>
+        </p:spPr>
+      </p:pic>
+      <p:sp>
+        <p:nvSpPr>
+          <p:cNvPr id="8" name="Slide Number Placeholder 5"/>
           <p:cNvSpPr>
             <a:spLocks noGrp="1"/>
           </p:cNvSpPr>
-          <p:nvPr>
-            <p:ph type="sldNum" sz="quarter" idx="12"/>
-          </p:nvPr>
-        </p:nvSpPr>
-        <p:spPr/>
-        <p:txBody>
-          <a:bodyPr/>
+          <p:nvPr userDrawn="1"/>
+        </p:nvSpPr>
+        <p:spPr>
+          <a:xfrm>
+            <a:off x="7129145" y="6479540"/>
+            <a:ext cx="2033270" cy="365125"/>
+          </a:xfrm>
+          <a:prstGeom prst="rect">
+            <a:avLst/>
+          </a:prstGeom>
+        </p:spPr>
+        <p:txBody>
+          <a:bodyPr vert="horz" lIns="91440" tIns="45720" rIns="91440" bIns="45720" rtlCol="0" anchor="ctr"/>
+          <a:lstStyle>
+            <a:lvl1pPr>
+              <a:defRPr b="1">
+                <a:solidFill>
+                  <a:schemeClr val="tx2"/>
+                </a:solidFill>
+              </a:defRPr>
+            </a:lvl1pPr>
+          </a:lstStyle>
           <a:p>
             <a:pPr marL="0" marR="0" lvl="0" indent="0" algn="r" defTabSz="914400" rtl="0" eaLnBrk="1" fontAlgn="auto" latinLnBrk="0" hangingPunct="1">
               <a:lnSpc>
@@ -2925,15 +3131,10 @@
               <a:defRPr/>
             </a:pPr>
             <a:fld id="{DA8737CF-8BDE-4872-BEE7-227F0B579AF3}" type="slidenum">
-              <a:rPr kumimoji="0" lang="zh-CN" altLang="en-US" sz="1200" b="0" i="0" u="none" strike="noStrike" kern="1200" cap="none" spc="0" normalizeH="0" baseline="0" noProof="0">
+              <a:rPr kumimoji="0" lang="zh-CN" altLang="en-US" sz="1200" i="0" u="none" strike="noStrike" kern="1200" cap="none" spc="0" normalizeH="0" baseline="0" noProof="0">
                 <a:ln>
                   <a:noFill/>
                 </a:ln>
-                <a:solidFill>
-                  <a:schemeClr val="tx1">
-                    <a:tint val="75000"/>
-                  </a:schemeClr>
-                </a:solidFill>
                 <a:effectLst/>
                 <a:uLnTx/>
                 <a:uFillTx/>
@@ -3181,19 +3382,72 @@
           </a:p>
         </p:txBody>
       </p:sp>
-      <p:sp>
-        <p:nvSpPr>
-          <p:cNvPr id="5" name="Slide Number Placeholder 4"/>
+      <p:pic>
+        <p:nvPicPr>
+          <p:cNvPr id="6" name="Picture 5"/>
+          <p:cNvPicPr>
+            <a:picLocks noChangeAspect="1"/>
+          </p:cNvPicPr>
+          <p:nvPr userDrawn="1"/>
+        </p:nvPicPr>
+        <p:blipFill>
+          <a:blip r:embed="rId2">
+            <a:clrChange>
+              <a:clrFrom>
+                <a:srgbClr val="FFFFFF">
+                  <a:alpha val="100000"/>
+                </a:srgbClr>
+              </a:clrFrom>
+              <a:clrTo>
+                <a:srgbClr val="FFFFFF">
+                  <a:alpha val="100000"/>
+                  <a:alpha val="0"/>
+                </a:srgbClr>
+              </a:clrTo>
+            </a:clrChange>
+          </a:blip>
+          <a:stretch>
+            <a:fillRect/>
+          </a:stretch>
+        </p:blipFill>
+        <p:spPr>
+          <a:xfrm>
+            <a:off x="7994650" y="5868035"/>
+            <a:ext cx="895985" cy="865505"/>
+          </a:xfrm>
+          <a:prstGeom prst="rect">
+            <a:avLst/>
+          </a:prstGeom>
+        </p:spPr>
+      </p:pic>
+      <p:sp>
+        <p:nvSpPr>
+          <p:cNvPr id="7" name="Slide Number Placeholder 5"/>
           <p:cNvSpPr>
             <a:spLocks noGrp="1"/>
           </p:cNvSpPr>
-          <p:nvPr>
-            <p:ph type="sldNum" sz="quarter" idx="16"/>
-          </p:nvPr>
-        </p:nvSpPr>
-        <p:spPr/>
-        <p:txBody>
-          <a:bodyPr/>
+          <p:nvPr userDrawn="1"/>
+        </p:nvSpPr>
+        <p:spPr>
+          <a:xfrm>
+            <a:off x="7129145" y="6479540"/>
+            <a:ext cx="2033270" cy="365125"/>
+          </a:xfrm>
+          <a:prstGeom prst="rect">
+            <a:avLst/>
+          </a:prstGeom>
+        </p:spPr>
+        <p:txBody>
+          <a:bodyPr vert="horz" lIns="91440" tIns="45720" rIns="91440" bIns="45720" rtlCol="0" anchor="ctr"/>
+          <a:lstStyle>
+            <a:lvl1pPr>
+              <a:defRPr b="1">
+                <a:solidFill>
+                  <a:schemeClr val="tx2"/>
+                </a:solidFill>
+              </a:defRPr>
+            </a:lvl1pPr>
+          </a:lstStyle>
           <a:p>
             <a:pPr marL="0" marR="0" lvl="0" indent="0" algn="r" defTabSz="914400" rtl="0" eaLnBrk="1" fontAlgn="auto" latinLnBrk="0" hangingPunct="1">
               <a:lnSpc>
@@ -3212,15 +3466,10 @@
               <a:defRPr/>
             </a:pPr>
             <a:fld id="{DA8737CF-8BDE-4872-BEE7-227F0B579AF3}" type="slidenum">
-              <a:rPr kumimoji="0" lang="zh-CN" altLang="en-US" sz="1200" b="0" i="0" u="none" strike="noStrike" kern="1200" cap="none" spc="0" normalizeH="0" baseline="0" noProof="0">
+              <a:rPr kumimoji="0" lang="zh-CN" altLang="en-US" sz="1200" i="0" u="none" strike="noStrike" kern="1200" cap="none" spc="0" normalizeH="0" baseline="0" noProof="0">
                 <a:ln>
                   <a:noFill/>
                 </a:ln>
-                <a:solidFill>
-                  <a:schemeClr val="tx1">
-                    <a:tint val="75000"/>
-                  </a:schemeClr>
-                </a:solidFill>
                 <a:effectLst/>
                 <a:uLnTx/>
                 <a:uFillTx/>
@@ -4059,7 +4308,7 @@
           <a:solidFill>
             <a:srgbClr val="AC411D"/>
           </a:solidFill>
-          <a:latin typeface="Arial" charset="0"/>
+          <a:latin typeface="Arial" panose="02080604020202020204" charset="0"/>
           <a:ea typeface="微软雅黑" pitchFamily="34" charset="-122"/>
           <a:cs typeface="+mn-cs"/>
         </a:defRPr>
@@ -4098,7 +4347,7 @@
         <a:spcAft>
           <a:spcPct val="0"/>
         </a:spcAft>
-        <a:buFont typeface="Arial" charset="0"/>
+        <a:buFont typeface="Arial" panose="02080604020202020204" charset="0"/>
         <a:buChar char="•"/>
         <a:defRPr sz="2000" kern="1200">
           <a:solidFill>
@@ -4119,7 +4368,7 @@
         <a:spcAft>
           <a:spcPct val="0"/>
         </a:spcAft>
-        <a:buFont typeface="Arial" charset="0"/>
+        <a:buFont typeface="Arial" panose="02080604020202020204" charset="0"/>
         <a:buChar char="•"/>
         <a:defRPr kern="1200">
           <a:solidFill>
@@ -4140,7 +4389,7 @@
         <a:spcAft>
           <a:spcPct val="0"/>
         </a:spcAft>
-        <a:buFont typeface="Arial" charset="0"/>
+        <a:buFont typeface="Arial" panose="02080604020202020204" charset="0"/>
         <a:buChar char="•"/>
         <a:defRPr kern="1200">
           <a:solidFill>
@@ -4158,7 +4407,7 @@
         <a:spcBef>
           <a:spcPts val="500"/>
         </a:spcBef>
-        <a:buFont typeface="Arial" charset="0"/>
+        <a:buFont typeface="Arial" panose="02080604020202020204" charset="0"/>
         <a:buChar char="•"/>
         <a:defRPr sz="1800" kern="1200">
           <a:solidFill>
@@ -4176,7 +4425,7 @@
         <a:spcBef>
           <a:spcPts val="500"/>
         </a:spcBef>
-        <a:buFont typeface="Arial" charset="0"/>
+        <a:buFont typeface="Arial" panose="02080604020202020204" charset="0"/>
         <a:buChar char="•"/>
         <a:defRPr sz="1800" kern="1200">
           <a:solidFill>
@@ -4194,7 +4443,7 @@
         <a:spcBef>
           <a:spcPts val="500"/>
         </a:spcBef>
-        <a:buFont typeface="Arial" charset="0"/>
+        <a:buFont typeface="Arial" panose="02080604020202020204" charset="0"/>
         <a:buChar char="•"/>
         <a:defRPr sz="1800" kern="1200">
           <a:solidFill>
@@ -4212,7 +4461,7 @@
         <a:spcBef>
           <a:spcPts val="500"/>
         </a:spcBef>
-        <a:buFont typeface="Arial" charset="0"/>
+        <a:buFont typeface="Arial" panose="02080604020202020204" charset="0"/>
         <a:buChar char="•"/>
         <a:defRPr sz="1800" kern="1200">
           <a:solidFill>
@@ -4345,14 +4594,14 @@
         </p:nvSpPr>
         <p:spPr>
           <a:xfrm>
-            <a:off x="1435100" y="557530"/>
-            <a:ext cx="6311900" cy="1470025"/>
+            <a:off x="1325563" y="26035"/>
+            <a:ext cx="6492875" cy="1677670"/>
           </a:xfrm>
         </p:spPr>
         <p:txBody>
           <a:bodyPr vert="horz" wrap="square" lIns="91440" tIns="45720" rIns="91440" bIns="45720" anchor="b"/>
           <a:p>
-            <a:pPr eaLnBrk="1" hangingPunct="1"/>
+            <a:pPr algn="ctr" eaLnBrk="1" hangingPunct="1"/>
             <a:r>
               <a:rPr lang="x-none" altLang="zh-CN" kern="1200" dirty="0">
                 <a:latin typeface="Arial Black" pitchFamily="34" charset="0"/>
@@ -4381,14 +4630,17 @@
         </p:nvSpPr>
         <p:spPr>
           <a:xfrm>
-            <a:off x="1427163" y="2043430"/>
-            <a:ext cx="6289675" cy="504825"/>
+            <a:off x="3328988" y="2225040"/>
+            <a:ext cx="2486025" cy="2309495"/>
           </a:xfrm>
         </p:spPr>
         <p:txBody>
           <a:bodyPr vert="horz" wrap="square" lIns="91440" tIns="45720" rIns="91440" bIns="45720" anchor="t"/>
           <a:p>
-            <a:pPr algn="l" eaLnBrk="1" hangingPunct="1">
+            <a:pPr algn="ctr" eaLnBrk="1" hangingPunct="1">
+              <a:lnSpc>
+                <a:spcPct val="60000"/>
+              </a:lnSpc>
               <a:buSzPct val="80000"/>
               <a:buNone/>
             </a:pPr>
@@ -4401,7 +4653,7 @@
                 <a:cs typeface="+mj-cs"/>
                 <a:sym typeface="+mn-ea"/>
               </a:rPr>
-              <a:t>		Carducci, Nahuel</a:t>
+              <a:t>Carducci, Nahuel</a:t>
             </a:r>
             <a:endParaRPr lang="x-none" altLang="zh-CN" dirty="0">
               <a:solidFill>
@@ -4413,7 +4665,10 @@
             </a:endParaRPr>
           </a:p>
           <a:p>
-            <a:pPr algn="l" eaLnBrk="1" hangingPunct="1">
+            <a:pPr algn="ctr" eaLnBrk="1" hangingPunct="1">
+              <a:lnSpc>
+                <a:spcPct val="60000"/>
+              </a:lnSpc>
               <a:buSzPct val="80000"/>
               <a:buNone/>
             </a:pPr>
@@ -4426,7 +4681,7 @@
                 <a:cs typeface="+mj-cs"/>
                 <a:sym typeface="+mn-ea"/>
               </a:rPr>
-              <a:t>        		Cinetto, Cristian</a:t>
+              <a:t>Cinetto, Cristian</a:t>
             </a:r>
             <a:endParaRPr lang="x-none" altLang="zh-CN" dirty="0">
               <a:solidFill>
@@ -4438,7 +4693,10 @@
             </a:endParaRPr>
           </a:p>
           <a:p>
-            <a:pPr algn="l" eaLnBrk="1" hangingPunct="1">
+            <a:pPr algn="ctr" eaLnBrk="1" hangingPunct="1">
+              <a:lnSpc>
+                <a:spcPct val="60000"/>
+              </a:lnSpc>
               <a:buSzPct val="80000"/>
               <a:buNone/>
             </a:pPr>
@@ -4451,7 +4709,7 @@
                 <a:cs typeface="+mj-cs"/>
                 <a:sym typeface="+mn-ea"/>
               </a:rPr>
-              <a:t>		Demski, Andres</a:t>
+              <a:t>Demski, Andres</a:t>
             </a:r>
             <a:endParaRPr lang="x-none" altLang="zh-CN" dirty="0">
               <a:solidFill>
@@ -4463,7 +4721,10 @@
             </a:endParaRPr>
           </a:p>
           <a:p>
-            <a:pPr algn="l" eaLnBrk="1" hangingPunct="1">
+            <a:pPr algn="ctr" eaLnBrk="1" hangingPunct="1">
+              <a:lnSpc>
+                <a:spcPct val="60000"/>
+              </a:lnSpc>
               <a:buSzPct val="80000"/>
               <a:buNone/>
             </a:pPr>
@@ -4476,7 +4737,7 @@
                 <a:cs typeface="+mj-cs"/>
                 <a:sym typeface="+mn-ea"/>
               </a:rPr>
-              <a:t>	        	Kukulanski, Ariel</a:t>
+              <a:t>Kukulanski, Ariel</a:t>
             </a:r>
             <a:endParaRPr lang="x-none" altLang="zh-CN" dirty="0">
               <a:solidFill>
@@ -4488,7 +4749,10 @@
             </a:endParaRPr>
           </a:p>
           <a:p>
-            <a:pPr algn="l" eaLnBrk="1" hangingPunct="1">
+            <a:pPr algn="ctr" eaLnBrk="1" hangingPunct="1">
+              <a:lnSpc>
+                <a:spcPct val="60000"/>
+              </a:lnSpc>
               <a:buSzPct val="80000"/>
               <a:buNone/>
             </a:pPr>
@@ -4501,7 +4765,7 @@
                 <a:cs typeface="+mj-cs"/>
                 <a:sym typeface="+mn-ea"/>
               </a:rPr>
-              <a:t>        		Paunovic, Iván</a:t>
+              <a:t>Paunovic, Iván</a:t>
             </a:r>
             <a:endParaRPr lang="x-none" altLang="zh-CN" dirty="0">
               <a:solidFill>
@@ -4518,9 +4782,105 @@
               <a:buNone/>
             </a:pPr>
             <a:endParaRPr lang="zh-CN" altLang="en-US" kern="1200" dirty="0">
-              <a:latin typeface="Arial" charset="0"/>
+              <a:latin typeface="Arial" panose="02080604020202020204" charset="0"/>
               <a:ea typeface="微软雅黑" pitchFamily="34" charset="-122"/>
               <a:cs typeface="+mn-cs"/>
+            </a:endParaRPr>
+          </a:p>
+        </p:txBody>
+      </p:sp>
+      <p:pic>
+        <p:nvPicPr>
+          <p:cNvPr id="2" name="Picture 1"/>
+          <p:cNvPicPr>
+            <a:picLocks noChangeAspect="1"/>
+          </p:cNvPicPr>
+          <p:nvPr/>
+        </p:nvPicPr>
+        <p:blipFill>
+          <a:blip r:embed="rId1">
+            <a:clrChange>
+              <a:clrFrom>
+                <a:srgbClr val="FFFFFF">
+                  <a:alpha val="100000"/>
+                </a:srgbClr>
+              </a:clrFrom>
+              <a:clrTo>
+                <a:srgbClr val="FFFFFF">
+                  <a:alpha val="100000"/>
+                  <a:alpha val="0"/>
+                </a:srgbClr>
+              </a:clrTo>
+            </a:clrChange>
+          </a:blip>
+          <a:stretch>
+            <a:fillRect/>
+          </a:stretch>
+        </p:blipFill>
+        <p:spPr>
+          <a:xfrm>
+            <a:off x="6334125" y="4208145"/>
+            <a:ext cx="2476500" cy="2390775"/>
+          </a:xfrm>
+          <a:prstGeom prst="rect">
+            <a:avLst/>
+          </a:prstGeom>
+        </p:spPr>
+      </p:pic>
+      <p:sp>
+        <p:nvSpPr>
+          <p:cNvPr id="3" name="Text Box 2"/>
+          <p:cNvSpPr txBox="1"/>
+          <p:nvPr/>
+        </p:nvSpPr>
+        <p:spPr>
+          <a:xfrm>
+            <a:off x="456565" y="6117590"/>
+            <a:ext cx="4752975" cy="645160"/>
+          </a:xfrm>
+          <a:prstGeom prst="rect">
+            <a:avLst/>
+          </a:prstGeom>
+          <a:noFill/>
+        </p:spPr>
+        <p:txBody>
+          <a:bodyPr wrap="square" rtlCol="0">
+            <a:spAutoFit/>
+          </a:bodyPr>
+          <a:p>
+            <a:pPr>
+              <a:lnSpc>
+                <a:spcPct val="130000"/>
+              </a:lnSpc>
+            </a:pPr>
+            <a:r>
+              <a:rPr lang="x-none" altLang="en-US" sz="1400" dirty="0" smtClean="0">
+                <a:latin typeface="Arial" panose="02080604020202020204" charset="0"/>
+                <a:ea typeface="微软雅黑" pitchFamily="34" charset="-122"/>
+              </a:rPr>
+              <a:t>Medidas Electrónicas 2 - UTN FRBA </a:t>
+            </a:r>
+            <a:endParaRPr lang="x-none" altLang="en-US" sz="1400" dirty="0" smtClean="0">
+              <a:latin typeface="Arial" panose="02080604020202020204" charset="0"/>
+              <a:ea typeface="微软雅黑" pitchFamily="34" charset="-122"/>
+            </a:endParaRPr>
+          </a:p>
+          <a:p>
+            <a:pPr>
+              <a:lnSpc>
+                <a:spcPct val="130000"/>
+              </a:lnSpc>
+            </a:pPr>
+            <a:r>
+              <a:rPr lang="x-none" altLang="en-US" sz="1400" dirty="0" smtClean="0">
+                <a:latin typeface="Arial" panose="02080604020202020204" charset="0"/>
+                <a:ea typeface="微软雅黑" pitchFamily="34" charset="-122"/>
+              </a:rPr>
+              <a:t>13/08/2016  </a:t>
+            </a:r>
+            <a:endParaRPr lang="x-none" altLang="en-US" sz="1400" dirty="0" smtClean="0">
+              <a:latin typeface="Arial" panose="02080604020202020204" charset="0"/>
+              <a:ea typeface="微软雅黑" pitchFamily="34" charset="-122"/>
             </a:endParaRPr>
           </a:p>
         </p:txBody>
@@ -4577,8 +4937,8 @@
         </p:nvSpPr>
         <p:spPr>
           <a:xfrm>
-            <a:off x="554355" y="1041083"/>
-            <a:ext cx="7886700" cy="4749800"/>
+            <a:off x="538480" y="1069975"/>
+            <a:ext cx="7977505" cy="5008880"/>
           </a:xfrm>
         </p:spPr>
         <p:txBody>
@@ -4609,8 +4969,8 @@
         </p:nvSpPr>
         <p:spPr>
           <a:xfrm>
-            <a:off x="1033780" y="1718310"/>
-            <a:ext cx="6919595" cy="1557020"/>
+            <a:off x="564515" y="1473835"/>
+            <a:ext cx="7682865" cy="883920"/>
           </a:xfrm>
           <a:prstGeom prst="rect">
             <a:avLst/>
@@ -4618,7 +4978,7 @@
           <a:noFill/>
         </p:spPr>
         <p:txBody>
-          <a:bodyPr wrap="none" rtlCol="0">
+          <a:bodyPr wrap="square" rtlCol="0">
             <a:spAutoFit/>
           </a:bodyPr>
           <a:p>
@@ -4632,17 +4992,17 @@
                 <a:solidFill>
                   <a:srgbClr val="4B4D4F"/>
                 </a:solidFill>
-                <a:latin typeface="Arial" charset="0"/>
+                <a:latin typeface="Arial" panose="02080604020202020204" charset="0"/>
                 <a:ea typeface="Microsoft YaHei" charset="0"/>
                 <a:sym typeface="+mn-ea"/>
               </a:rPr>
-              <a:t>S22 con puerto 2 conectado.</a:t>
+              <a:t>S31 con puerto 1 desconectado.</a:t>
             </a:r>
             <a:endParaRPr lang="es-AR" sz="2000" b="1">
               <a:solidFill>
                 <a:srgbClr val="4B4D4F"/>
               </a:solidFill>
-              <a:latin typeface="Arial" charset="0"/>
+              <a:latin typeface="Arial" panose="02080604020202020204" charset="0"/>
               <a:ea typeface="Microsoft YaHei" charset="0"/>
             </a:endParaRPr>
           </a:p>
@@ -4657,40 +5017,14 @@
                 <a:solidFill>
                   <a:srgbClr val="4B4D4F"/>
                 </a:solidFill>
-                <a:latin typeface="Arial" charset="0"/>
+                <a:latin typeface="Arial" panose="02080604020202020204" charset="0"/>
                 <a:ea typeface="Microsoft YaHei" charset="0"/>
                 <a:sym typeface="+mn-ea"/>
               </a:rPr>
-              <a:t>Coeficiente de reflexion  del puerto que esta conectado.</a:t>
-            </a:r>
-            <a:endParaRPr lang="es-AR" sz="2000" b="1">
-              <a:solidFill>
-                <a:srgbClr val="4B4D4F"/>
-              </a:solidFill>
-              <a:latin typeface="Arial" charset="0"/>
-              <a:ea typeface="Microsoft YaHei" charset="0"/>
-            </a:endParaRPr>
-          </a:p>
-          <a:p>
-            <a:pPr algn="l">
-              <a:lnSpc>
-                <a:spcPct val="130000"/>
-              </a:lnSpc>
-            </a:pPr>
-            <a:endParaRPr lang="x-none" altLang="es-AR" sz="2000" b="1" dirty="0" smtClean="0">
-              <a:latin typeface="Arial" charset="0"/>
-              <a:ea typeface="微软雅黑" pitchFamily="34" charset="-122"/>
-              <a:sym typeface="+mn-ea"/>
-            </a:endParaRPr>
-          </a:p>
-          <a:p>
-            <a:pPr algn="l">
-              <a:lnSpc>
-                <a:spcPct val="130000"/>
-              </a:lnSpc>
-            </a:pPr>
+              <a:t>Transferencia del puerto que esta desconectado.</a:t>
+            </a:r>
             <a:endParaRPr lang="x-none" altLang="es-AR" sz="1400" dirty="0" smtClean="0">
-              <a:latin typeface="Arial" charset="0"/>
+              <a:latin typeface="Arial" panose="02080604020202020204" charset="0"/>
               <a:ea typeface="微软雅黑" pitchFamily="34" charset="-122"/>
             </a:endParaRPr>
           </a:p>
@@ -4698,30 +5032,42 @@
       </p:sp>
       <p:pic>
         <p:nvPicPr>
-          <p:cNvPr id="12" name="Picture 3"/>
+          <p:cNvPr id="130" name="Picture 5"/>
           <p:cNvPicPr>
             <a:picLocks noChangeAspect="1"/>
           </p:cNvPicPr>
           <p:nvPr/>
         </p:nvPicPr>
         <p:blipFill>
-          <a:blip r:embed="rId1"/>
+          <a:blip r:embed="rId1">
+            <a:clrChange>
+              <a:clrFrom>
+                <a:srgbClr val="FFFFFF">
+                  <a:alpha val="100000"/>
+                </a:srgbClr>
+              </a:clrFrom>
+              <a:clrTo>
+                <a:srgbClr val="FFFFFF">
+                  <a:alpha val="100000"/>
+                  <a:alpha val="0"/>
+                </a:srgbClr>
+              </a:clrTo>
+            </a:clrChange>
+          </a:blip>
           <a:stretch>
             <a:fillRect/>
           </a:stretch>
         </p:blipFill>
         <p:spPr>
           <a:xfrm>
-            <a:off x="1050290" y="2987040"/>
-            <a:ext cx="7814945" cy="2969895"/>
+            <a:off x="684213" y="2811145"/>
+            <a:ext cx="7902575" cy="2854325"/>
           </a:xfrm>
           <a:prstGeom prst="rect">
             <a:avLst/>
           </a:prstGeom>
-          <a:noFill/>
-          <a:ln w="9525">
+          <a:ln>
             <a:noFill/>
-            <a:miter/>
           </a:ln>
         </p:spPr>
       </p:pic>
@@ -4775,7 +5121,12 @@
             <p:ph type="body" sz="quarter" idx="13"/>
           </p:nvPr>
         </p:nvSpPr>
-        <p:spPr/>
+        <p:spPr>
+          <a:xfrm>
+            <a:off x="513080" y="1057275"/>
+            <a:ext cx="8002905" cy="5022215"/>
+          </a:xfrm>
+        </p:spPr>
         <p:txBody>
           <a:bodyPr/>
           <a:p>
@@ -4804,8 +5155,8 @@
         </p:nvSpPr>
         <p:spPr>
           <a:xfrm>
-            <a:off x="1183640" y="1952625"/>
-            <a:ext cx="6073775" cy="883920"/>
+            <a:off x="521335" y="1458595"/>
+            <a:ext cx="7195185" cy="1160780"/>
           </a:xfrm>
           <a:prstGeom prst="rect">
             <a:avLst/>
@@ -4813,7 +5164,7 @@
           <a:noFill/>
         </p:spPr>
         <p:txBody>
-          <a:bodyPr wrap="none" rtlCol="0">
+          <a:bodyPr wrap="square" rtlCol="0">
             <a:spAutoFit/>
           </a:bodyPr>
           <a:p>
@@ -4827,17 +5178,17 @@
                 <a:solidFill>
                   <a:srgbClr val="4B4D4F"/>
                 </a:solidFill>
-                <a:latin typeface="Arial" charset="0"/>
+                <a:latin typeface="Arial" panose="02080604020202020204" charset="0"/>
                 <a:ea typeface="Microsoft YaHei" charset="0"/>
                 <a:sym typeface="+mn-ea"/>
               </a:rPr>
-              <a:t>S31 con puerto 1 desconectado.</a:t>
+              <a:t>S23 con puerto 2 conectado.</a:t>
             </a:r>
             <a:endParaRPr lang="es-AR" sz="2000" b="1">
               <a:solidFill>
                 <a:srgbClr val="4B4D4F"/>
               </a:solidFill>
-              <a:latin typeface="Arial" charset="0"/>
+              <a:latin typeface="Arial" panose="02080604020202020204" charset="0"/>
               <a:ea typeface="Microsoft YaHei" charset="0"/>
             </a:endParaRPr>
           </a:p>
@@ -4852,14 +5203,26 @@
                 <a:solidFill>
                   <a:srgbClr val="4B4D4F"/>
                 </a:solidFill>
-                <a:latin typeface="Arial" charset="0"/>
+                <a:latin typeface="Arial" panose="02080604020202020204" charset="0"/>
                 <a:ea typeface="Microsoft YaHei" charset="0"/>
                 <a:sym typeface="+mn-ea"/>
               </a:rPr>
-              <a:t>Transferencia del puerto que esta desconectado.</a:t>
-            </a:r>
+              <a:t>Transferencia del puerto que esta conectado.</a:t>
+            </a:r>
+            <a:endParaRPr lang="x-none" altLang="es-AR" sz="2000" b="1" dirty="0" smtClean="0">
+              <a:latin typeface="Arial" panose="02080604020202020204" charset="0"/>
+              <a:ea typeface="微软雅黑" pitchFamily="34" charset="-122"/>
+              <a:sym typeface="+mn-ea"/>
+            </a:endParaRPr>
+          </a:p>
+          <a:p>
+            <a:pPr algn="l">
+              <a:lnSpc>
+                <a:spcPct val="130000"/>
+              </a:lnSpc>
+            </a:pPr>
             <a:endParaRPr lang="x-none" altLang="es-AR" sz="1400" dirty="0" smtClean="0">
-              <a:latin typeface="Arial" charset="0"/>
+              <a:latin typeface="Arial" panose="02080604020202020204" charset="0"/>
               <a:ea typeface="微软雅黑" pitchFamily="34" charset="-122"/>
             </a:endParaRPr>
           </a:p>
@@ -4867,20 +5230,36 @@
       </p:sp>
       <p:pic>
         <p:nvPicPr>
-          <p:cNvPr id="130" name="Picture 5"/>
-          <p:cNvPicPr/>
+          <p:cNvPr id="134" name="Picture 5"/>
+          <p:cNvPicPr>
+            <a:picLocks noChangeAspect="1"/>
+          </p:cNvPicPr>
           <p:nvPr/>
         </p:nvPicPr>
         <p:blipFill>
-          <a:blip r:embed="rId1"/>
+          <a:blip r:embed="rId1">
+            <a:clrChange>
+              <a:clrFrom>
+                <a:srgbClr val="FFFFFF">
+                  <a:alpha val="100000"/>
+                </a:srgbClr>
+              </a:clrFrom>
+              <a:clrTo>
+                <a:srgbClr val="FFFFFF">
+                  <a:alpha val="100000"/>
+                  <a:alpha val="0"/>
+                </a:srgbClr>
+              </a:clrTo>
+            </a:clrChange>
+          </a:blip>
           <a:stretch>
             <a:fillRect/>
           </a:stretch>
         </p:blipFill>
         <p:spPr>
           <a:xfrm>
-            <a:off x="163440" y="3040200"/>
-            <a:ext cx="8989560" cy="3246120"/>
+            <a:off x="727075" y="2670810"/>
+            <a:ext cx="7998460" cy="2978785"/>
           </a:xfrm>
           <a:prstGeom prst="rect">
             <a:avLst/>
@@ -4940,7 +5319,12 @@
             <p:ph type="body" sz="quarter" idx="13"/>
           </p:nvPr>
         </p:nvSpPr>
-        <p:spPr/>
+        <p:spPr>
+          <a:xfrm>
+            <a:off x="603250" y="1069975"/>
+            <a:ext cx="7912735" cy="5008880"/>
+          </a:xfrm>
+        </p:spPr>
         <p:txBody>
           <a:bodyPr/>
           <a:p>
@@ -4969,8 +5353,8 @@
         </p:nvSpPr>
         <p:spPr>
           <a:xfrm>
-            <a:off x="2077720" y="1845945"/>
-            <a:ext cx="5636895" cy="1160780"/>
+            <a:off x="637540" y="1485265"/>
+            <a:ext cx="6937375" cy="487680"/>
           </a:xfrm>
           <a:prstGeom prst="rect">
             <a:avLst/>
@@ -4978,7 +5362,7 @@
           <a:noFill/>
         </p:spPr>
         <p:txBody>
-          <a:bodyPr wrap="none" rtlCol="0">
+          <a:bodyPr wrap="square" rtlCol="0">
             <a:spAutoFit/>
           </a:bodyPr>
           <a:p>
@@ -4992,51 +5376,14 @@
                 <a:solidFill>
                   <a:srgbClr val="4B4D4F"/>
                 </a:solidFill>
-                <a:latin typeface="Arial" charset="0"/>
+                <a:latin typeface="Arial" panose="02080604020202020204" charset="0"/>
                 <a:ea typeface="Microsoft YaHei" charset="0"/>
                 <a:sym typeface="+mn-ea"/>
               </a:rPr>
-              <a:t>S23 con puerto 2 conectado.</a:t>
-            </a:r>
-            <a:endParaRPr lang="es-AR" sz="2000" b="1">
-              <a:solidFill>
-                <a:srgbClr val="4B4D4F"/>
-              </a:solidFill>
-              <a:latin typeface="Arial" charset="0"/>
-              <a:ea typeface="Microsoft YaHei" charset="0"/>
-            </a:endParaRPr>
-          </a:p>
-          <a:p>
-            <a:pPr algn="l">
-              <a:lnSpc>
-                <a:spcPct val="130000"/>
-              </a:lnSpc>
-            </a:pPr>
-            <a:r>
-              <a:rPr lang="es-AR" sz="2000" b="1">
-                <a:solidFill>
-                  <a:srgbClr val="4B4D4F"/>
-                </a:solidFill>
-                <a:latin typeface="Arial" charset="0"/>
-                <a:ea typeface="Microsoft YaHei" charset="0"/>
-                <a:sym typeface="+mn-ea"/>
-              </a:rPr>
-              <a:t>Transferencia del puerto que esta conectado.</a:t>
-            </a:r>
-            <a:endParaRPr lang="x-none" altLang="es-AR" sz="2000" b="1" dirty="0" smtClean="0">
-              <a:latin typeface="Arial" charset="0"/>
-              <a:ea typeface="微软雅黑" pitchFamily="34" charset="-122"/>
-              <a:sym typeface="+mn-ea"/>
-            </a:endParaRPr>
-          </a:p>
-          <a:p>
-            <a:pPr algn="l">
-              <a:lnSpc>
-                <a:spcPct val="130000"/>
-              </a:lnSpc>
-            </a:pPr>
+              <a:t>Coeficiente de reflexion del puerto de salida</a:t>
+            </a:r>
             <a:endParaRPr lang="x-none" altLang="es-AR" sz="1400" dirty="0" smtClean="0">
-              <a:latin typeface="Arial" charset="0"/>
+              <a:latin typeface="Arial" panose="02080604020202020204" charset="0"/>
               <a:ea typeface="微软雅黑" pitchFamily="34" charset="-122"/>
             </a:endParaRPr>
           </a:p>
@@ -5044,20 +5391,36 @@
       </p:sp>
       <p:pic>
         <p:nvPicPr>
-          <p:cNvPr id="134" name="Picture 5"/>
-          <p:cNvPicPr/>
+          <p:cNvPr id="138" name="Picture 6"/>
+          <p:cNvPicPr>
+            <a:picLocks noChangeAspect="1"/>
+          </p:cNvPicPr>
           <p:nvPr/>
         </p:nvPicPr>
         <p:blipFill>
-          <a:blip r:embed="rId1"/>
+          <a:blip r:embed="rId1">
+            <a:clrChange>
+              <a:clrFrom>
+                <a:srgbClr val="FFFFFF">
+                  <a:alpha val="100000"/>
+                </a:srgbClr>
+              </a:clrFrom>
+              <a:clrTo>
+                <a:srgbClr val="FFFFFF">
+                  <a:alpha val="100000"/>
+                  <a:alpha val="0"/>
+                </a:srgbClr>
+              </a:clrTo>
+            </a:clrChange>
+          </a:blip>
           <a:stretch>
             <a:fillRect/>
           </a:stretch>
         </p:blipFill>
         <p:spPr>
           <a:xfrm>
-            <a:off x="163440" y="2989440"/>
-            <a:ext cx="8989560" cy="3347640"/>
+            <a:off x="711200" y="2693035"/>
+            <a:ext cx="8502015" cy="3169920"/>
           </a:xfrm>
           <a:prstGeom prst="rect">
             <a:avLst/>
@@ -5117,7 +5480,12 @@
             <p:ph type="body" sz="quarter" idx="13"/>
           </p:nvPr>
         </p:nvSpPr>
-        <p:spPr/>
+        <p:spPr>
+          <a:xfrm>
+            <a:off x="656590" y="1109345"/>
+            <a:ext cx="7859395" cy="4970780"/>
+          </a:xfrm>
+        </p:spPr>
         <p:txBody>
           <a:bodyPr/>
           <a:p>
@@ -5146,8 +5514,8 @@
         </p:nvSpPr>
         <p:spPr>
           <a:xfrm>
-            <a:off x="2077720" y="1845945"/>
-            <a:ext cx="5496560" cy="487680"/>
+            <a:off x="703580" y="1548765"/>
+            <a:ext cx="3406775" cy="487680"/>
           </a:xfrm>
           <a:prstGeom prst="rect">
             <a:avLst/>
@@ -5155,7 +5523,7 @@
           <a:noFill/>
         </p:spPr>
         <p:txBody>
-          <a:bodyPr wrap="none" rtlCol="0">
+          <a:bodyPr wrap="square" rtlCol="0">
             <a:spAutoFit/>
           </a:bodyPr>
           <a:p>
@@ -5169,35 +5537,86 @@
                 <a:solidFill>
                   <a:srgbClr val="4B4D4F"/>
                 </a:solidFill>
-                <a:latin typeface="Arial" charset="0"/>
+                <a:latin typeface="Arial" panose="02080604020202020204" charset="0"/>
                 <a:ea typeface="Microsoft YaHei" charset="0"/>
                 <a:sym typeface="+mn-ea"/>
               </a:rPr>
-              <a:t>Coeficiente de reflexion del puerto de salida</a:t>
-            </a:r>
-            <a:endParaRPr lang="x-none" altLang="es-AR" sz="1400" dirty="0" smtClean="0">
-              <a:latin typeface="Arial" charset="0"/>
-              <a:ea typeface="微软雅黑" pitchFamily="34" charset="-122"/>
+              <a:t>S21 </a:t>
+            </a:r>
+            <a:r>
+              <a:rPr lang="x-none" altLang="es-AR" sz="2000" b="1">
+                <a:solidFill>
+                  <a:srgbClr val="4B4D4F"/>
+                </a:solidFill>
+                <a:latin typeface="Arial" panose="02080604020202020204" charset="0"/>
+                <a:ea typeface="Microsoft YaHei" charset="0"/>
+                <a:sym typeface="+mn-ea"/>
+              </a:rPr>
+              <a:t>(</a:t>
+            </a:r>
+            <a:r>
+              <a:rPr lang="es-AR" sz="2000" b="1">
+                <a:solidFill>
+                  <a:srgbClr val="4B4D4F"/>
+                </a:solidFill>
+                <a:latin typeface="Arial" panose="02080604020202020204" charset="0"/>
+                <a:ea typeface="Microsoft YaHei" charset="0"/>
+                <a:sym typeface="+mn-ea"/>
+              </a:rPr>
+              <a:t>Crosstalk</a:t>
+            </a:r>
+            <a:r>
+              <a:rPr lang="x-none" altLang="es-AR" sz="2000" b="1">
+                <a:solidFill>
+                  <a:srgbClr val="4B4D4F"/>
+                </a:solidFill>
+                <a:latin typeface="Arial" panose="02080604020202020204" charset="0"/>
+                <a:ea typeface="Microsoft YaHei" charset="0"/>
+                <a:sym typeface="+mn-ea"/>
+              </a:rPr>
+              <a:t>)</a:t>
+            </a:r>
+            <a:endParaRPr lang="x-none" altLang="es-AR" sz="2000" b="1" dirty="0" smtClean="0">
+              <a:solidFill>
+                <a:srgbClr val="4B4D4F"/>
+              </a:solidFill>
+              <a:latin typeface="Arial" panose="02080604020202020204" charset="0"/>
+              <a:ea typeface="Microsoft YaHei" charset="0"/>
+              <a:sym typeface="+mn-ea"/>
             </a:endParaRPr>
           </a:p>
         </p:txBody>
       </p:sp>
       <p:pic>
         <p:nvPicPr>
-          <p:cNvPr id="138" name="Picture 6"/>
+          <p:cNvPr id="142" name="Picture 3"/>
           <p:cNvPicPr/>
           <p:nvPr/>
         </p:nvPicPr>
         <p:blipFill>
-          <a:blip r:embed="rId1"/>
+          <a:blip r:embed="rId1">
+            <a:clrChange>
+              <a:clrFrom>
+                <a:srgbClr val="FFFFFF">
+                  <a:alpha val="100000"/>
+                </a:srgbClr>
+              </a:clrFrom>
+              <a:clrTo>
+                <a:srgbClr val="FFFFFF">
+                  <a:alpha val="100000"/>
+                  <a:alpha val="0"/>
+                </a:srgbClr>
+              </a:clrTo>
+            </a:clrChange>
+          </a:blip>
           <a:stretch>
             <a:fillRect/>
           </a:stretch>
         </p:blipFill>
         <p:spPr>
           <a:xfrm>
-            <a:off x="252360" y="3121200"/>
-            <a:ext cx="8856360" cy="3301560"/>
+            <a:off x="699135" y="2617470"/>
+            <a:ext cx="8120380" cy="2875280"/>
           </a:xfrm>
           <a:prstGeom prst="rect">
             <a:avLst/>
@@ -5240,8 +5659,11 @@
           <a:bodyPr/>
           <a:p>
             <a:r>
-              <a:rPr lang="x-none" altLang="es-AR"/>
-              <a:t>Simulación</a:t>
+              <a:rPr lang="zh-CN">
+                <a:latin typeface="Calibri" pitchFamily="34" charset="0"/>
+                <a:sym typeface="+mn-ea"/>
+              </a:rPr>
+              <a:t>Desarrollo PCB-Altium Designer</a:t>
             </a:r>
             <a:endParaRPr lang="x-none" altLang="es-AR"/>
           </a:p>
@@ -5264,10 +5686,6 @@
             <a:pPr marL="0" indent="0">
               <a:buNone/>
             </a:pPr>
-            <a:r>
-              <a:rPr lang="x-none" altLang="es-AR"/>
-              <a:t>Resultados:</a:t>
-            </a:r>
             <a:endParaRPr lang="x-none" altLang="es-AR"/>
           </a:p>
           <a:p>
@@ -5276,105 +5694,44 @@
             </a:pPr>
             <a:endParaRPr lang="x-none" altLang="es-AR"/>
           </a:p>
-        </p:txBody>
-      </p:sp>
-      <p:sp>
-        <p:nvSpPr>
-          <p:cNvPr id="5" name="TextBox 4"/>
-          <p:cNvSpPr txBox="1"/>
-          <p:nvPr/>
-        </p:nvSpPr>
-        <p:spPr>
-          <a:xfrm>
-            <a:off x="2077720" y="1845945"/>
-            <a:ext cx="2030095" cy="487680"/>
-          </a:xfrm>
-          <a:prstGeom prst="rect">
-            <a:avLst/>
-          </a:prstGeom>
-          <a:noFill/>
-        </p:spPr>
-        <p:txBody>
-          <a:bodyPr wrap="none" rtlCol="0">
-            <a:spAutoFit/>
-          </a:bodyPr>
-          <a:p>
-            <a:pPr algn="l">
-              <a:lnSpc>
-                <a:spcPct val="130000"/>
-              </a:lnSpc>
-            </a:pPr>
-            <a:r>
-              <a:rPr lang="es-AR" sz="2000" b="1">
-                <a:solidFill>
-                  <a:srgbClr val="4B4D4F"/>
-                </a:solidFill>
-                <a:latin typeface="Arial" charset="0"/>
-                <a:ea typeface="Microsoft YaHei" charset="0"/>
-                <a:sym typeface="+mn-ea"/>
-              </a:rPr>
-              <a:t>S21 </a:t>
-            </a:r>
-            <a:r>
-              <a:rPr lang="x-none" altLang="es-AR" sz="2000" b="1">
-                <a:solidFill>
-                  <a:srgbClr val="4B4D4F"/>
-                </a:solidFill>
-                <a:latin typeface="Arial" charset="0"/>
-                <a:ea typeface="Microsoft YaHei" charset="0"/>
-                <a:sym typeface="+mn-ea"/>
-              </a:rPr>
-              <a:t>(</a:t>
-            </a:r>
-            <a:r>
-              <a:rPr lang="es-AR" sz="2000" b="1">
-                <a:solidFill>
-                  <a:srgbClr val="4B4D4F"/>
-                </a:solidFill>
-                <a:latin typeface="Arial" charset="0"/>
-                <a:ea typeface="Microsoft YaHei" charset="0"/>
-                <a:sym typeface="+mn-ea"/>
-              </a:rPr>
-              <a:t>Crosstalk</a:t>
-            </a:r>
-            <a:r>
-              <a:rPr lang="x-none" altLang="es-AR" sz="2000" b="1">
-                <a:solidFill>
-                  <a:srgbClr val="4B4D4F"/>
-                </a:solidFill>
-                <a:latin typeface="Arial" charset="0"/>
-                <a:ea typeface="Microsoft YaHei" charset="0"/>
-                <a:sym typeface="+mn-ea"/>
-              </a:rPr>
-              <a:t>)</a:t>
-            </a:r>
-            <a:endParaRPr lang="x-none" altLang="es-AR" sz="2000" b="1" dirty="0" smtClean="0">
-              <a:solidFill>
-                <a:srgbClr val="4B4D4F"/>
-              </a:solidFill>
-              <a:latin typeface="Arial" charset="0"/>
-              <a:ea typeface="Microsoft YaHei" charset="0"/>
-              <a:sym typeface="+mn-ea"/>
-            </a:endParaRPr>
+          <a:p>
+            <a:pPr marL="0" indent="0">
+              <a:buNone/>
+            </a:pPr>
+            <a:endParaRPr lang="x-none" altLang="es-AR"/>
           </a:p>
         </p:txBody>
       </p:sp>
       <p:pic>
         <p:nvPicPr>
-          <p:cNvPr id="142" name="Picture 3"/>
+          <p:cNvPr id="4" name="Imagen 4"/>
           <p:cNvPicPr/>
           <p:nvPr/>
         </p:nvPicPr>
         <p:blipFill>
-          <a:blip r:embed="rId1"/>
+          <a:blip r:embed="rId1">
+            <a:clrChange>
+              <a:clrFrom>
+                <a:srgbClr val="FFFCF8">
+                  <a:alpha val="100000"/>
+                </a:srgbClr>
+              </a:clrFrom>
+              <a:clrTo>
+                <a:srgbClr val="FFFCF8">
+                  <a:alpha val="100000"/>
+                  <a:alpha val="0"/>
+                </a:srgbClr>
+              </a:clrTo>
+            </a:clrChange>
+          </a:blip>
           <a:stretch>
             <a:fillRect/>
           </a:stretch>
         </p:blipFill>
         <p:spPr>
           <a:xfrm>
-            <a:off x="374760" y="3124080"/>
-            <a:ext cx="8562600" cy="3057120"/>
+            <a:off x="247860" y="981180"/>
+            <a:ext cx="8648280" cy="4895640"/>
           </a:xfrm>
           <a:prstGeom prst="rect">
             <a:avLst/>
@@ -5462,7 +5819,7 @@
       </p:sp>
       <p:pic>
         <p:nvPicPr>
-          <p:cNvPr id="4" name="Imagen 4"/>
+          <p:cNvPr id="146" name="Imagen 5"/>
           <p:cNvPicPr/>
           <p:nvPr/>
         </p:nvPicPr>
@@ -5474,8 +5831,8 @@
         </p:blipFill>
         <p:spPr>
           <a:xfrm>
-            <a:off x="260280" y="946080"/>
-            <a:ext cx="8648280" cy="4895640"/>
+            <a:off x="366840" y="1190880"/>
+            <a:ext cx="8410320" cy="4476240"/>
           </a:xfrm>
           <a:prstGeom prst="rect">
             <a:avLst/>
@@ -5518,53 +5875,19 @@
           <a:bodyPr/>
           <a:p>
             <a:r>
-              <a:rPr lang="zh-CN">
-                <a:latin typeface="Calibri" pitchFamily="34" charset="0"/>
-                <a:sym typeface="+mn-ea"/>
-              </a:rPr>
-              <a:t>Desarrollo PCB-Altium Designer</a:t>
-            </a:r>
-            <a:endParaRPr lang="x-none" altLang="es-AR"/>
-          </a:p>
-        </p:txBody>
-      </p:sp>
-      <p:sp>
-        <p:nvSpPr>
-          <p:cNvPr id="3" name="Text Placeholder 2"/>
-          <p:cNvSpPr>
-            <a:spLocks noGrp="1"/>
-          </p:cNvSpPr>
-          <p:nvPr>
-            <p:ph type="body" sz="quarter" idx="13"/>
-          </p:nvPr>
-        </p:nvSpPr>
-        <p:spPr/>
-        <p:txBody>
-          <a:bodyPr/>
-          <a:p>
-            <a:pPr marL="0" indent="0">
-              <a:buNone/>
-            </a:pPr>
-            <a:endParaRPr lang="x-none" altLang="es-AR"/>
-          </a:p>
-          <a:p>
-            <a:pPr marL="0" indent="0">
-              <a:buNone/>
-            </a:pPr>
-            <a:endParaRPr lang="x-none" altLang="es-AR"/>
-          </a:p>
-          <a:p>
-            <a:pPr marL="0" indent="0">
-              <a:buNone/>
-            </a:pPr>
-            <a:endParaRPr lang="x-none" altLang="es-AR"/>
+              <a:rPr lang="x-none" altLang="en-US"/>
+              <a:t>Esto es todo amigos!</a:t>
+            </a:r>
+            <a:endParaRPr lang="x-none" altLang="en-US"/>
           </a:p>
         </p:txBody>
       </p:sp>
       <p:pic>
         <p:nvPicPr>
-          <p:cNvPr id="146" name="Imagen 5"/>
-          <p:cNvPicPr/>
+          <p:cNvPr id="6" name="Picture 5" descr="giphy"/>
+          <p:cNvPicPr>
+            <a:picLocks noChangeAspect="1"/>
+          </p:cNvPicPr>
           <p:nvPr/>
         </p:nvPicPr>
         <p:blipFill>
@@ -5575,15 +5898,12 @@
         </p:blipFill>
         <p:spPr>
           <a:xfrm>
-            <a:off x="246240" y="1373040"/>
-            <a:ext cx="8410320" cy="4476240"/>
+            <a:off x="-214312" y="-81915"/>
+            <a:ext cx="9572625" cy="7021830"/>
           </a:xfrm>
           <a:prstGeom prst="rect">
             <a:avLst/>
           </a:prstGeom>
-          <a:ln>
-            <a:noFill/>
-          </a:ln>
         </p:spPr>
       </p:pic>
     </p:spTree>
@@ -5642,7 +5962,7 @@
           <a:bodyPr vert="horz" wrap="square" lIns="91440" tIns="45720" rIns="91440" bIns="45720" anchor="t"/>
           <a:p>
             <a:pPr lvl="0" eaLnBrk="1" hangingPunct="1">
-              <a:buFont typeface="Arial" charset="0"/>
+              <a:buFont typeface="Arial" panose="02080604020202020204" charset="0"/>
               <a:buChar char="•"/>
             </a:pPr>
             <a:r>
@@ -5653,7 +5973,7 @@
           </a:p>
           <a:p>
             <a:pPr lvl="0" eaLnBrk="1" hangingPunct="1">
-              <a:buFont typeface="Arial" charset="0"/>
+              <a:buFont typeface="Arial" panose="02080604020202020204" charset="0"/>
               <a:buChar char="•"/>
             </a:pPr>
             <a:r>
@@ -5664,7 +5984,7 @@
           </a:p>
           <a:p>
             <a:pPr lvl="0" eaLnBrk="1" hangingPunct="1">
-              <a:buFont typeface="Arial" charset="0"/>
+              <a:buFont typeface="Arial" panose="02080604020202020204" charset="0"/>
               <a:buChar char="•"/>
             </a:pPr>
             <a:r>
@@ -5675,7 +5995,7 @@
           </a:p>
           <a:p>
             <a:pPr lvl="0" eaLnBrk="1" hangingPunct="1">
-              <a:buFont typeface="Arial" charset="0"/>
+              <a:buFont typeface="Arial" panose="02080604020202020204" charset="0"/>
               <a:buChar char="•"/>
             </a:pPr>
             <a:r>
@@ -5686,7 +6006,7 @@
           </a:p>
           <a:p>
             <a:pPr lvl="0" eaLnBrk="1" hangingPunct="1">
-              <a:buFont typeface="Arial" charset="0"/>
+              <a:buFont typeface="Arial" panose="02080604020202020204" charset="0"/>
               <a:buChar char="•"/>
             </a:pPr>
             <a:r>
@@ -5748,7 +6068,21 @@
           </p:nvPr>
         </p:nvPicPr>
         <p:blipFill>
-          <a:blip r:embed="rId1"/>
+          <a:blip r:embed="rId1">
+            <a:clrChange>
+              <a:clrFrom>
+                <a:srgbClr val="FFFFFF">
+                  <a:alpha val="100000"/>
+                </a:srgbClr>
+              </a:clrFrom>
+              <a:clrTo>
+                <a:srgbClr val="FFFFFF">
+                  <a:alpha val="100000"/>
+                  <a:alpha val="0"/>
+                </a:srgbClr>
+              </a:clrTo>
+            </a:clrChange>
+          </a:blip>
           <a:stretch>
             <a:fillRect/>
           </a:stretch>
@@ -5766,6 +6100,106 @@
           </a:ln>
         </p:spPr>
       </p:pic>
+      <p:pic>
+        <p:nvPicPr>
+          <p:cNvPr id="6" name="Picture 5"/>
+          <p:cNvPicPr>
+            <a:picLocks noChangeAspect="1"/>
+          </p:cNvPicPr>
+          <p:nvPr userDrawn="1"/>
+        </p:nvPicPr>
+        <p:blipFill>
+          <a:blip r:embed="rId2">
+            <a:clrChange>
+              <a:clrFrom>
+                <a:srgbClr val="FFFFFF">
+                  <a:alpha val="100000"/>
+                </a:srgbClr>
+              </a:clrFrom>
+              <a:clrTo>
+                <a:srgbClr val="FFFFFF">
+                  <a:alpha val="100000"/>
+                  <a:alpha val="0"/>
+                </a:srgbClr>
+              </a:clrTo>
+            </a:clrChange>
+          </a:blip>
+          <a:stretch>
+            <a:fillRect/>
+          </a:stretch>
+        </p:blipFill>
+        <p:spPr>
+          <a:xfrm>
+            <a:off x="7994650" y="5868035"/>
+            <a:ext cx="895985" cy="865505"/>
+          </a:xfrm>
+          <a:prstGeom prst="rect">
+            <a:avLst/>
+          </a:prstGeom>
+        </p:spPr>
+      </p:pic>
+      <p:sp>
+        <p:nvSpPr>
+          <p:cNvPr id="3" name="Slide Number Placeholder 2"/>
+          <p:cNvSpPr>
+            <a:spLocks noGrp="1"/>
+          </p:cNvSpPr>
+          <p:nvPr>
+            <p:ph type="sldNum" sz="quarter" idx="12"/>
+          </p:nvPr>
+        </p:nvSpPr>
+        <p:spPr/>
+        <p:txBody>
+          <a:bodyPr/>
+          <a:p>
+            <a:pPr marL="0" marR="0" lvl="0" indent="0" algn="r" defTabSz="914400" rtl="0" eaLnBrk="1" fontAlgn="auto" latinLnBrk="0" hangingPunct="1">
+              <a:lnSpc>
+                <a:spcPct val="100000"/>
+              </a:lnSpc>
+              <a:spcBef>
+                <a:spcPts val="0"/>
+              </a:spcBef>
+              <a:spcAft>
+                <a:spcPts val="0"/>
+              </a:spcAft>
+              <a:buClrTx/>
+              <a:buSzTx/>
+              <a:buFontTx/>
+              <a:buNone/>
+              <a:defRPr/>
+            </a:pPr>
+            <a:fld id="{DA8737CF-8BDE-4872-BEE7-227F0B579AF3}" type="slidenum">
+              <a:rPr kumimoji="0" lang="zh-CN" altLang="en-US" sz="1200" i="0" u="none" strike="noStrike" kern="1200" cap="none" spc="0" normalizeH="0" baseline="0" noProof="0">
+                <a:ln>
+                  <a:noFill/>
+                </a:ln>
+                <a:effectLst/>
+                <a:uLnTx/>
+                <a:uFillTx/>
+                <a:latin typeface="+mn-lt"/>
+                <a:ea typeface="+mn-ea"/>
+                <a:cs typeface="+mn-cs"/>
+              </a:rPr>
+            </a:fld>
+            <a:endParaRPr kumimoji="0" lang="zh-CN" altLang="en-US" sz="1200" b="0" i="0" u="none" strike="noStrike" kern="1200" cap="none" spc="0" normalizeH="0" baseline="0" noProof="0">
+              <a:ln>
+                <a:noFill/>
+              </a:ln>
+              <a:solidFill>
+                <a:schemeClr val="tx1">
+                  <a:tint val="75000"/>
+                </a:schemeClr>
+              </a:solidFill>
+              <a:effectLst/>
+              <a:uLnTx/>
+              <a:uFillTx/>
+              <a:latin typeface="+mn-lt"/>
+              <a:ea typeface="+mn-ea"/>
+              <a:cs typeface="+mn-cs"/>
+            </a:endParaRPr>
+          </a:p>
+        </p:txBody>
+      </p:sp>
     </p:spTree>
   </p:cSld>
   <p:clrMapOvr>
@@ -5851,7 +6285,21 @@
           <p:nvPr/>
         </p:nvPicPr>
         <p:blipFill>
-          <a:blip r:embed="rId1"/>
+          <a:blip r:embed="rId1">
+            <a:clrChange>
+              <a:clrFrom>
+                <a:srgbClr val="FFFFFF">
+                  <a:alpha val="100000"/>
+                </a:srgbClr>
+              </a:clrFrom>
+              <a:clrTo>
+                <a:srgbClr val="FFFFFF">
+                  <a:alpha val="100000"/>
+                  <a:alpha val="0"/>
+                </a:srgbClr>
+              </a:clrTo>
+            </a:clrChange>
+          </a:blip>
           <a:stretch>
             <a:fillRect/>
           </a:stretch>
@@ -5875,10 +6323,10 @@
         </p:nvGrpSpPr>
         <p:grpSpPr>
           <a:xfrm>
-            <a:off x="4866640" y="2903220"/>
-            <a:ext cx="3653155" cy="3162935"/>
-            <a:chOff x="7731" y="2979"/>
-            <a:chExt cx="5753" cy="4981"/>
+            <a:off x="4599940" y="2915920"/>
+            <a:ext cx="3653155" cy="3086735"/>
+            <a:chOff x="7311" y="2979"/>
+            <a:chExt cx="5753" cy="4861"/>
           </a:xfrm>
         </p:grpSpPr>
         <p:pic>
@@ -5890,7 +6338,21 @@
             <p:nvPr/>
           </p:nvPicPr>
           <p:blipFill>
-            <a:blip r:embed="rId2"/>
+            <a:blip r:embed="rId2">
+              <a:clrChange>
+                <a:clrFrom>
+                  <a:srgbClr val="FFFFFF">
+                    <a:alpha val="100000"/>
+                  </a:srgbClr>
+                </a:clrFrom>
+                <a:clrTo>
+                  <a:srgbClr val="FFFFFF">
+                    <a:alpha val="100000"/>
+                    <a:alpha val="0"/>
+                  </a:srgbClr>
+                </a:clrTo>
+              </a:clrChange>
+            </a:blip>
             <a:stretch>
               <a:fillRect/>
             </a:stretch>
@@ -5913,7 +6375,7 @@
           </p:nvSpPr>
           <p:spPr>
             <a:xfrm>
-              <a:off x="7731" y="7068"/>
+              <a:off x="7311" y="6948"/>
               <a:ext cx="5753" cy="892"/>
             </a:xfrm>
             <a:prstGeom prst="rect">
@@ -5933,13 +6395,13 @@
               </a:pPr>
               <a:r>
                 <a:rPr lang="x-none" altLang="es-AR" sz="2400" b="1" i="1" dirty="0" smtClean="0">
-                  <a:latin typeface="Arial" charset="0"/>
+                  <a:latin typeface="Arial" panose="02080604020202020204" charset="0"/>
                   <a:ea typeface="微软雅黑" pitchFamily="34" charset="-122"/>
                 </a:rPr>
                 <a:t>Circuito de Polarización</a:t>
               </a:r>
               <a:endParaRPr lang="x-none" altLang="es-AR" sz="2400" b="1" i="1" dirty="0" smtClean="0">
-                <a:latin typeface="Arial" charset="0"/>
+                <a:latin typeface="Arial" panose="02080604020202020204" charset="0"/>
                 <a:ea typeface="微软雅黑" pitchFamily="34" charset="-122"/>
               </a:endParaRPr>
             </a:p>
@@ -6017,6 +6479,19 @@
         </p:nvPicPr>
         <p:blipFill>
           <a:blip r:embed="rId1">
+            <a:clrChange>
+              <a:clrFrom>
+                <a:srgbClr val="FFFFFF">
+                  <a:alpha val="100000"/>
+                </a:srgbClr>
+              </a:clrFrom>
+              <a:clrTo>
+                <a:srgbClr val="FFFFFF">
+                  <a:alpha val="100000"/>
+                  <a:alpha val="0"/>
+                </a:srgbClr>
+              </a:clrTo>
+            </a:clrChange>
             <a:grayscl/>
           </a:blip>
           <a:stretch>
@@ -6381,7 +6856,7 @@
                         <a:lumMod val="50000"/>
                       </a:schemeClr>
                     </a:solidFill>
-                    <a:latin typeface="Arial" charset="0"/>
+                    <a:latin typeface="Arial" panose="02080604020202020204" charset="0"/>
                     <a:ea typeface="微软雅黑" pitchFamily="34" charset="-122"/>
                   </a:rPr>
                   <a:t>50 ohm</a:t>
@@ -6392,7 +6867,7 @@
                       <a:lumMod val="50000"/>
                     </a:schemeClr>
                   </a:solidFill>
-                  <a:latin typeface="Arial" charset="0"/>
+                  <a:latin typeface="Arial" panose="02080604020202020204" charset="0"/>
                   <a:ea typeface="微软雅黑" pitchFamily="34" charset="-122"/>
                 </a:endParaRPr>
               </a:p>
@@ -6432,7 +6907,7 @@
                       <a:lumMod val="50000"/>
                     </a:schemeClr>
                   </a:solidFill>
-                  <a:latin typeface="Arial" charset="0"/>
+                  <a:latin typeface="Arial" panose="02080604020202020204" charset="0"/>
                   <a:ea typeface="微软雅黑" pitchFamily="34" charset="-122"/>
                 </a:rPr>
                 <a:t>RF IN</a:t>
@@ -6443,7 +6918,7 @@
                     <a:lumMod val="50000"/>
                   </a:schemeClr>
                 </a:solidFill>
-                <a:latin typeface="Arial" charset="0"/>
+                <a:latin typeface="Arial" panose="02080604020202020204" charset="0"/>
                 <a:ea typeface="微软雅黑" pitchFamily="34" charset="-122"/>
               </a:endParaRPr>
             </a:p>
@@ -6482,7 +6957,7 @@
                       <a:lumMod val="50000"/>
                     </a:schemeClr>
                   </a:solidFill>
-                  <a:latin typeface="Arial" charset="0"/>
+                  <a:latin typeface="Arial" panose="02080604020202020204" charset="0"/>
                   <a:ea typeface="微软雅黑" pitchFamily="34" charset="-122"/>
                 </a:rPr>
                 <a:t>RF OUT</a:t>
@@ -6493,7 +6968,7 @@
                     <a:lumMod val="50000"/>
                   </a:schemeClr>
                 </a:solidFill>
-                <a:latin typeface="Arial" charset="0"/>
+                <a:latin typeface="Arial" panose="02080604020202020204" charset="0"/>
                 <a:ea typeface="微软雅黑" pitchFamily="34" charset="-122"/>
               </a:endParaRPr>
             </a:p>
@@ -6716,7 +7191,21 @@
           <p:nvPr/>
         </p:nvPicPr>
         <p:blipFill>
-          <a:blip r:embed="rId1"/>
+          <a:blip r:embed="rId1">
+            <a:clrChange>
+              <a:clrFrom>
+                <a:srgbClr val="FFFFFF">
+                  <a:alpha val="100000"/>
+                </a:srgbClr>
+              </a:clrFrom>
+              <a:clrTo>
+                <a:srgbClr val="FFFFFF">
+                  <a:alpha val="100000"/>
+                  <a:alpha val="0"/>
+                </a:srgbClr>
+              </a:clrTo>
+            </a:clrChange>
+          </a:blip>
           <a:stretch>
             <a:fillRect/>
           </a:stretch>
@@ -6740,7 +7229,21 @@
           <p:nvPr/>
         </p:nvPicPr>
         <p:blipFill>
-          <a:blip r:embed="rId2"/>
+          <a:blip r:embed="rId2">
+            <a:clrChange>
+              <a:clrFrom>
+                <a:srgbClr val="FFFFFF">
+                  <a:alpha val="100000"/>
+                </a:srgbClr>
+              </a:clrFrom>
+              <a:clrTo>
+                <a:srgbClr val="FFFFFF">
+                  <a:alpha val="100000"/>
+                  <a:alpha val="0"/>
+                </a:srgbClr>
+              </a:clrTo>
+            </a:clrChange>
+          </a:blip>
           <a:stretch>
             <a:fillRect/>
           </a:stretch>
@@ -6807,8 +7310,8 @@
         </p:nvSpPr>
         <p:spPr>
           <a:xfrm>
-            <a:off x="609600" y="872808"/>
-            <a:ext cx="7886700" cy="4749800"/>
+            <a:off x="609600" y="629285"/>
+            <a:ext cx="7886700" cy="5020945"/>
           </a:xfrm>
         </p:spPr>
         <p:txBody>
@@ -6820,11 +7323,20 @@
               </a:lnSpc>
               <a:buNone/>
             </a:pPr>
-            <a:r>
-              <a:rPr lang="x-none" altLang="es-AR" b="1"/>
-              <a:t>Valores del diodo PIN BAR64-02V (Infineon)</a:t>
-            </a:r>
             <a:endParaRPr lang="x-none" altLang="es-AR" b="1"/>
+          </a:p>
+          <a:p>
+            <a:pPr marL="0" indent="0">
+              <a:lnSpc>
+                <a:spcPct val="50000"/>
+              </a:lnSpc>
+              <a:buNone/>
+            </a:pPr>
+            <a:r>
+              <a:rPr lang="x-none" altLang="es-AR" sz="2000" b="1"/>
+              <a:t>Valores del diodo PIN BAR64 02V (Infineon)</a:t>
+            </a:r>
+            <a:endParaRPr lang="x-none" altLang="es-AR" sz="2000" b="1"/>
           </a:p>
           <a:p>
             <a:pPr marL="0" indent="0" algn="ctr">
@@ -6834,10 +7346,10 @@
               <a:buNone/>
             </a:pPr>
             <a:r>
-              <a:rPr lang="x-none" altLang="es-AR"/>
+              <a:rPr lang="x-none" altLang="es-AR" sz="2000"/>
               <a:t>Rs: 1 ohm ; 50 ohm (polarización)</a:t>
             </a:r>
-            <a:endParaRPr lang="x-none" altLang="es-AR"/>
+            <a:endParaRPr lang="x-none" altLang="es-AR" sz="2000"/>
           </a:p>
           <a:p>
             <a:pPr marL="0" indent="0" algn="ctr">
@@ -6847,20 +7359,20 @@
               <a:buNone/>
             </a:pPr>
             <a:r>
-              <a:rPr lang="x-none" altLang="es-AR">
+              <a:rPr lang="x-none" altLang="es-AR" sz="2000">
                 <a:cs typeface="Droid Sans" charset="0"/>
               </a:rPr>
               <a:t>L: </a:t>
             </a:r>
             <a:r>
-              <a:rPr lang="x-none" altLang="es-AR">
-                <a:latin typeface="Arial" charset="0"/>
+              <a:rPr lang="x-none" altLang="es-AR" sz="2000">
+                <a:latin typeface="Arial" panose="02080604020202020204" charset="0"/>
                 <a:cs typeface="Droid Sans" charset="0"/>
               </a:rPr>
               <a:t>≈ 1 nHy (despreciable)</a:t>
             </a:r>
-            <a:endParaRPr lang="x-none" altLang="es-AR">
-              <a:latin typeface="Arial" charset="0"/>
+            <a:endParaRPr lang="x-none" altLang="es-AR" sz="2000">
+              <a:latin typeface="Arial" panose="02080604020202020204" charset="0"/>
               <a:cs typeface="Droid Sans" charset="0"/>
             </a:endParaRPr>
           </a:p>
@@ -6872,14 +7384,14 @@
               <a:buNone/>
             </a:pPr>
             <a:r>
-              <a:rPr lang="x-none" altLang="es-AR">
-                <a:latin typeface="Arial" charset="0"/>
+              <a:rPr lang="x-none" altLang="es-AR" sz="2000">
+                <a:latin typeface="Arial" panose="02080604020202020204" charset="0"/>
                 <a:cs typeface="Droid Sans" charset="0"/>
               </a:rPr>
               <a:t>Rp: 3 Kohm @ 1.8 Ghz</a:t>
             </a:r>
-            <a:endParaRPr lang="x-none" altLang="es-AR">
-              <a:latin typeface="Arial" charset="0"/>
+            <a:endParaRPr lang="x-none" altLang="es-AR" sz="2000">
+              <a:latin typeface="Arial" panose="02080604020202020204" charset="0"/>
               <a:cs typeface="Droid Sans" charset="0"/>
             </a:endParaRPr>
           </a:p>
@@ -6891,14 +7403,14 @@
               <a:buNone/>
             </a:pPr>
             <a:r>
-              <a:rPr lang="x-none" altLang="es-AR">
-                <a:latin typeface="Arial" charset="0"/>
+              <a:rPr lang="x-none" altLang="es-AR" sz="2000">
+                <a:latin typeface="Arial" panose="02080604020202020204" charset="0"/>
                 <a:cs typeface="Droid Sans" charset="0"/>
               </a:rPr>
               <a:t>Ct: 0.17 pF @ 1.8 Ghz</a:t>
             </a:r>
-            <a:endParaRPr lang="x-none" altLang="es-AR">
-              <a:latin typeface="Arial" charset="0"/>
+            <a:endParaRPr lang="x-none" altLang="es-AR" sz="2000">
+              <a:latin typeface="Arial" panose="02080604020202020204" charset="0"/>
               <a:cs typeface="Droid Sans" charset="0"/>
             </a:endParaRPr>
           </a:p>
@@ -6913,14 +7425,28 @@
           <p:nvPr/>
         </p:nvPicPr>
         <p:blipFill>
-          <a:blip r:embed="rId1"/>
+          <a:blip r:embed="rId1">
+            <a:clrChange>
+              <a:clrFrom>
+                <a:srgbClr val="FFFFFF">
+                  <a:alpha val="100000"/>
+                </a:srgbClr>
+              </a:clrFrom>
+              <a:clrTo>
+                <a:srgbClr val="FFFFFF">
+                  <a:alpha val="100000"/>
+                  <a:alpha val="0"/>
+                </a:srgbClr>
+              </a:clrTo>
+            </a:clrChange>
+          </a:blip>
           <a:stretch>
             <a:fillRect/>
           </a:stretch>
         </p:blipFill>
         <p:spPr>
           <a:xfrm>
-            <a:off x="1291590" y="3027680"/>
+            <a:off x="1291590" y="3078480"/>
             <a:ext cx="3103245" cy="3664585"/>
           </a:xfrm>
           <a:prstGeom prst="rect">
@@ -6937,7 +7463,21 @@
           <p:nvPr/>
         </p:nvPicPr>
         <p:blipFill>
-          <a:blip r:embed="rId2"/>
+          <a:blip r:embed="rId2">
+            <a:clrChange>
+              <a:clrFrom>
+                <a:srgbClr val="FFFFFF">
+                  <a:alpha val="100000"/>
+                </a:srgbClr>
+              </a:clrFrom>
+              <a:clrTo>
+                <a:srgbClr val="FFFFFF">
+                  <a:alpha val="100000"/>
+                  <a:alpha val="0"/>
+                </a:srgbClr>
+              </a:clrTo>
+            </a:clrChange>
+          </a:blip>
           <a:stretch>
             <a:fillRect/>
           </a:stretch>
@@ -6950,6 +7490,9 @@
           <a:prstGeom prst="rect">
             <a:avLst/>
           </a:prstGeom>
+          <a:ln>
+            <a:noFill/>
+          </a:ln>
         </p:spPr>
       </p:pic>
     </p:spTree>
@@ -6994,94 +7537,217 @@
       </p:sp>
       <p:sp>
         <p:nvSpPr>
-          <p:cNvPr id="3" name="Text Placeholder 2"/>
+          <p:cNvPr id="3" name="Content Placeholder 2"/>
           <p:cNvSpPr>
             <a:spLocks noGrp="1"/>
           </p:cNvSpPr>
           <p:nvPr>
-            <p:ph type="body" sz="quarter" idx="13"/>
+            <p:ph sz="half" idx="2"/>
           </p:nvPr>
+        </p:nvSpPr>
+        <p:spPr/>
+        <p:txBody>
+          <a:bodyPr/>
+          <a:p>
+            <a:pPr marL="0" indent="0">
+              <a:buNone/>
+            </a:pPr>
+            <a:endParaRPr lang="x-none" altLang="es-AR"/>
+          </a:p>
+          <a:p>
+            <a:pPr marL="0" indent="0">
+              <a:buNone/>
+            </a:pPr>
+            <a:endParaRPr lang="x-none" altLang="es-AR"/>
+          </a:p>
+        </p:txBody>
+      </p:sp>
+      <p:sp>
+        <p:nvSpPr>
+          <p:cNvPr id="5" name="TextBox 4"/>
+          <p:cNvSpPr txBox="1"/>
+          <p:nvPr/>
         </p:nvSpPr>
         <p:spPr>
           <a:xfrm>
-            <a:off x="520065" y="1307148"/>
-            <a:ext cx="7886700" cy="4749800"/>
+            <a:off x="607695" y="1377315"/>
+            <a:ext cx="8599170" cy="1160780"/>
           </a:xfrm>
+          <a:prstGeom prst="rect">
+            <a:avLst/>
+          </a:prstGeom>
+          <a:noFill/>
         </p:spPr>
         <p:txBody>
-          <a:bodyPr/>
-          <a:p>
-            <a:pPr marL="0" indent="0">
-              <a:buNone/>
-            </a:pPr>
-            <a:r>
-              <a:rPr lang="x-none" altLang="es-AR"/>
-              <a:t>Microstrip de Qucs: </a:t>
-            </a:r>
-            <a:endParaRPr lang="x-none" altLang="es-AR"/>
-          </a:p>
-          <a:p>
-            <a:pPr marL="0" indent="0">
-              <a:buNone/>
-            </a:pPr>
-            <a:endParaRPr lang="x-none" altLang="es-AR"/>
-          </a:p>
-          <a:p>
-            <a:pPr marL="0" indent="0">
-              <a:buNone/>
-            </a:pPr>
-            <a:endParaRPr lang="x-none" altLang="es-AR"/>
+          <a:bodyPr wrap="square" rtlCol="0">
+            <a:spAutoFit/>
+          </a:bodyPr>
+          <a:p>
+            <a:pPr algn="l">
+              <a:lnSpc>
+                <a:spcPct val="130000"/>
+              </a:lnSpc>
+            </a:pPr>
+            <a:r>
+              <a:rPr lang="es-AR" sz="2000" b="1">
+                <a:solidFill>
+                  <a:srgbClr val="4B4D4F"/>
+                </a:solidFill>
+                <a:latin typeface="Arial" panose="02080604020202020204" charset="0"/>
+                <a:ea typeface="Microsoft YaHei" charset="0"/>
+                <a:sym typeface="+mn-ea"/>
+              </a:rPr>
+              <a:t>S11 con puerto 1 desconectado.</a:t>
+            </a:r>
+            <a:endParaRPr lang="es-AR" sz="2000" b="1">
+              <a:solidFill>
+                <a:srgbClr val="4B4D4F"/>
+              </a:solidFill>
+              <a:latin typeface="Arial" panose="02080604020202020204" charset="0"/>
+              <a:ea typeface="Microsoft YaHei" charset="0"/>
+            </a:endParaRPr>
+          </a:p>
+          <a:p>
+            <a:pPr algn="l">
+              <a:lnSpc>
+                <a:spcPct val="130000"/>
+              </a:lnSpc>
+            </a:pPr>
+            <a:r>
+              <a:rPr lang="es-AR" sz="2000" b="1">
+                <a:solidFill>
+                  <a:srgbClr val="4B4D4F"/>
+                </a:solidFill>
+                <a:latin typeface="Arial" panose="02080604020202020204" charset="0"/>
+                <a:ea typeface="Microsoft YaHei" charset="0"/>
+                <a:sym typeface="+mn-ea"/>
+              </a:rPr>
+              <a:t>Coeficiente de reflexion del puerto que esta </a:t>
+            </a:r>
+            <a:r>
+              <a:rPr lang="es-AR" b="1">
+                <a:solidFill>
+                  <a:srgbClr val="4B4D4F"/>
+                </a:solidFill>
+                <a:latin typeface="Arial" panose="02080604020202020204" charset="0"/>
+                <a:ea typeface="Microsoft YaHei" charset="0"/>
+                <a:sym typeface="+mn-ea"/>
+              </a:rPr>
+              <a:t>desconectado</a:t>
+            </a:r>
+            <a:r>
+              <a:rPr lang="es-AR" sz="2000" b="1">
+                <a:solidFill>
+                  <a:srgbClr val="4B4D4F"/>
+                </a:solidFill>
+                <a:latin typeface="Arial" panose="02080604020202020204" charset="0"/>
+                <a:ea typeface="Microsoft YaHei" charset="0"/>
+                <a:sym typeface="+mn-ea"/>
+              </a:rPr>
+              <a:t>.</a:t>
+            </a:r>
+            <a:endParaRPr lang="x-none" altLang="es-AR" sz="2000" b="1" dirty="0" smtClean="0">
+              <a:latin typeface="Arial" panose="02080604020202020204" charset="0"/>
+              <a:ea typeface="微软雅黑" pitchFamily="34" charset="-122"/>
+              <a:sym typeface="+mn-ea"/>
+            </a:endParaRPr>
+          </a:p>
+          <a:p>
+            <a:pPr algn="l">
+              <a:lnSpc>
+                <a:spcPct val="130000"/>
+              </a:lnSpc>
+            </a:pPr>
+            <a:endParaRPr lang="x-none" altLang="es-AR" sz="1400" dirty="0" smtClean="0">
+              <a:latin typeface="Arial" panose="02080604020202020204" charset="0"/>
+              <a:ea typeface="微软雅黑" pitchFamily="34" charset="-122"/>
+            </a:endParaRPr>
           </a:p>
         </p:txBody>
       </p:sp>
       <p:pic>
         <p:nvPicPr>
-          <p:cNvPr id="7" name="Picture 6"/>
+          <p:cNvPr id="121" name="Picture 3"/>
           <p:cNvPicPr>
             <a:picLocks noChangeAspect="1"/>
           </p:cNvPicPr>
-          <p:nvPr/>
+          <p:nvPr>
+            <p:ph sz="half" idx="1"/>
+          </p:nvPr>
         </p:nvPicPr>
         <p:blipFill>
-          <a:blip r:embed="rId1"/>
+          <a:blip r:embed="rId1">
+            <a:clrChange>
+              <a:clrFrom>
+                <a:srgbClr val="FFFFFF">
+                  <a:alpha val="100000"/>
+                </a:srgbClr>
+              </a:clrFrom>
+              <a:clrTo>
+                <a:srgbClr val="FFFFFF">
+                  <a:alpha val="100000"/>
+                  <a:alpha val="0"/>
+                </a:srgbClr>
+              </a:clrTo>
+            </a:clrChange>
+          </a:blip>
           <a:stretch>
             <a:fillRect/>
           </a:stretch>
         </p:blipFill>
         <p:spPr>
           <a:xfrm>
-            <a:off x="990600" y="2360930"/>
-            <a:ext cx="2374900" cy="3554095"/>
+            <a:off x="670560" y="2649220"/>
+            <a:ext cx="7802880" cy="2938780"/>
           </a:xfrm>
           <a:prstGeom prst="rect">
             <a:avLst/>
           </a:prstGeom>
+          <a:ln>
+            <a:noFill/>
+          </a:ln>
         </p:spPr>
       </p:pic>
-      <p:pic>
-        <p:nvPicPr>
-          <p:cNvPr id="8" name="Picture 7"/>
-          <p:cNvPicPr>
-            <a:picLocks noChangeAspect="1"/>
-          </p:cNvPicPr>
-          <p:nvPr/>
-        </p:nvPicPr>
-        <p:blipFill>
-          <a:blip r:embed="rId2"/>
-          <a:stretch>
-            <a:fillRect/>
-          </a:stretch>
-        </p:blipFill>
+      <p:sp>
+        <p:nvSpPr>
+          <p:cNvPr id="6" name="Text Placeholder 5"/>
+          <p:cNvSpPr>
+            <a:spLocks noGrp="1"/>
+          </p:cNvSpPr>
+          <p:nvPr>
+            <p:ph type="body" sz="quarter" idx="13"/>
+          </p:nvPr>
+        </p:nvSpPr>
         <p:spPr>
           <a:xfrm>
-            <a:off x="4700270" y="2423160"/>
-            <a:ext cx="2637155" cy="3542030"/>
+            <a:off x="579120" y="979170"/>
+            <a:ext cx="8068310" cy="5205730"/>
           </a:xfrm>
-          <a:prstGeom prst="rect">
-            <a:avLst/>
-          </a:prstGeom>
         </p:spPr>
-      </p:pic>
+        <p:txBody>
+          <a:bodyPr/>
+          <a:p>
+            <a:pPr marL="0" indent="0">
+              <a:buNone/>
+            </a:pPr>
+            <a:r>
+              <a:rPr lang="x-none" altLang="es-AR" sz="2800"/>
+              <a:t>Resultados</a:t>
+            </a:r>
+            <a:r>
+              <a:rPr lang="x-none" altLang="es-AR"/>
+              <a:t>:</a:t>
+            </a:r>
+            <a:endParaRPr lang="x-none" altLang="es-AR"/>
+          </a:p>
+          <a:p>
+            <a:pPr marL="0" indent="0">
+              <a:buNone/>
+            </a:pPr>
+            <a:endParaRPr lang="x-none" altLang="es-AR"/>
+          </a:p>
+        </p:txBody>
+      </p:sp>
     </p:spTree>
   </p:cSld>
   <p:clrMapOvr>
@@ -7124,21 +7790,30 @@
       </p:sp>
       <p:sp>
         <p:nvSpPr>
-          <p:cNvPr id="3" name="Content Placeholder 2"/>
+          <p:cNvPr id="3" name="Text Placeholder 2"/>
           <p:cNvSpPr>
             <a:spLocks noGrp="1"/>
           </p:cNvSpPr>
           <p:nvPr>
-            <p:ph sz="half" idx="2"/>
+            <p:ph type="body" sz="quarter" idx="13"/>
           </p:nvPr>
         </p:nvSpPr>
-        <p:spPr/>
+        <p:spPr>
+          <a:xfrm>
+            <a:off x="554355" y="1041083"/>
+            <a:ext cx="7886700" cy="4749800"/>
+          </a:xfrm>
+        </p:spPr>
         <p:txBody>
           <a:bodyPr/>
           <a:p>
             <a:pPr marL="0" indent="0">
               <a:buNone/>
             </a:pPr>
+            <a:r>
+              <a:rPr lang="x-none" altLang="es-AR"/>
+              <a:t>Resultados:</a:t>
+            </a:r>
             <a:endParaRPr lang="x-none" altLang="es-AR"/>
           </a:p>
           <a:p>
@@ -7157,8 +7832,8 @@
         </p:nvSpPr>
         <p:spPr>
           <a:xfrm>
-            <a:off x="736600" y="1377315"/>
-            <a:ext cx="7285990" cy="1160780"/>
+            <a:off x="566420" y="1393190"/>
+            <a:ext cx="6919595" cy="1557020"/>
           </a:xfrm>
           <a:prstGeom prst="rect">
             <a:avLst/>
@@ -7180,17 +7855,17 @@
                 <a:solidFill>
                   <a:srgbClr val="4B4D4F"/>
                 </a:solidFill>
-                <a:latin typeface="Arial" charset="0"/>
+                <a:latin typeface="Arial" panose="02080604020202020204" charset="0"/>
                 <a:ea typeface="Microsoft YaHei" charset="0"/>
                 <a:sym typeface="+mn-ea"/>
               </a:rPr>
-              <a:t>S11 con puerto 1 desconectado.</a:t>
+              <a:t>S22 con puerto 2 conectado.</a:t>
             </a:r>
             <a:endParaRPr lang="es-AR" sz="2000" b="1">
               <a:solidFill>
                 <a:srgbClr val="4B4D4F"/>
               </a:solidFill>
-              <a:latin typeface="Arial" charset="0"/>
+              <a:latin typeface="Arial" panose="02080604020202020204" charset="0"/>
               <a:ea typeface="Microsoft YaHei" charset="0"/>
             </a:endParaRPr>
           </a:p>
@@ -7205,16 +7880,18 @@
                 <a:solidFill>
                   <a:srgbClr val="4B4D4F"/>
                 </a:solidFill>
-                <a:latin typeface="Arial" charset="0"/>
+                <a:latin typeface="Arial" panose="02080604020202020204" charset="0"/>
                 <a:ea typeface="Microsoft YaHei" charset="0"/>
                 <a:sym typeface="+mn-ea"/>
               </a:rPr>
-              <a:t>Coeficiente de reflexion del puerto que esta desconectado.</a:t>
-            </a:r>
-            <a:endParaRPr lang="x-none" altLang="es-AR" sz="2000" b="1" dirty="0" smtClean="0">
-              <a:latin typeface="Arial" charset="0"/>
-              <a:ea typeface="微软雅黑" pitchFamily="34" charset="-122"/>
-              <a:sym typeface="+mn-ea"/>
+              <a:t>Coeficiente de reflexion  del puerto que esta conectado.</a:t>
+            </a:r>
+            <a:endParaRPr lang="es-AR" sz="2000" b="1">
+              <a:solidFill>
+                <a:srgbClr val="4B4D4F"/>
+              </a:solidFill>
+              <a:latin typeface="Arial" panose="02080604020202020204" charset="0"/>
+              <a:ea typeface="Microsoft YaHei" charset="0"/>
             </a:endParaRPr>
           </a:p>
           <a:p>
@@ -7223,8 +7900,20 @@
                 <a:spcPct val="130000"/>
               </a:lnSpc>
             </a:pPr>
+            <a:endParaRPr lang="x-none" altLang="es-AR" sz="2000" b="1" dirty="0" smtClean="0">
+              <a:latin typeface="Arial" panose="02080604020202020204" charset="0"/>
+              <a:ea typeface="微软雅黑" pitchFamily="34" charset="-122"/>
+              <a:sym typeface="+mn-ea"/>
+            </a:endParaRPr>
+          </a:p>
+          <a:p>
+            <a:pPr algn="l">
+              <a:lnSpc>
+                <a:spcPct val="130000"/>
+              </a:lnSpc>
+            </a:pPr>
             <a:endParaRPr lang="x-none" altLang="es-AR" sz="1400" dirty="0" smtClean="0">
-              <a:latin typeface="Arial" charset="0"/>
+              <a:latin typeface="Arial" panose="02080604020202020204" charset="0"/>
               <a:ea typeface="微软雅黑" pitchFamily="34" charset="-122"/>
             </a:endParaRPr>
           </a:p>
@@ -7232,68 +7921,47 @@
       </p:sp>
       <p:pic>
         <p:nvPicPr>
-          <p:cNvPr id="121" name="Picture 3"/>
+          <p:cNvPr id="12" name="Picture 3"/>
           <p:cNvPicPr>
             <a:picLocks noChangeAspect="1"/>
           </p:cNvPicPr>
-          <p:nvPr>
-            <p:ph sz="half" idx="1"/>
-          </p:nvPr>
+          <p:nvPr/>
         </p:nvPicPr>
         <p:blipFill>
-          <a:blip r:embed="rId1"/>
+          <a:blip r:embed="rId1">
+            <a:clrChange>
+              <a:clrFrom>
+                <a:srgbClr val="FFFFFF">
+                  <a:alpha val="100000"/>
+                </a:srgbClr>
+              </a:clrFrom>
+              <a:clrTo>
+                <a:srgbClr val="FFFFFF">
+                  <a:alpha val="100000"/>
+                  <a:alpha val="0"/>
+                </a:srgbClr>
+              </a:clrTo>
+            </a:clrChange>
+          </a:blip>
           <a:stretch>
             <a:fillRect/>
           </a:stretch>
         </p:blipFill>
         <p:spPr>
           <a:xfrm>
-            <a:off x="697865" y="2534920"/>
-            <a:ext cx="7802880" cy="2938780"/>
+            <a:off x="702628" y="2631440"/>
+            <a:ext cx="7814945" cy="2969895"/>
           </a:xfrm>
           <a:prstGeom prst="rect">
             <a:avLst/>
           </a:prstGeom>
-          <a:ln>
+          <a:noFill/>
+          <a:ln w="9525">
             <a:noFill/>
+            <a:miter/>
           </a:ln>
         </p:spPr>
       </p:pic>
-      <p:sp>
-        <p:nvSpPr>
-          <p:cNvPr id="6" name="Text Placeholder 5"/>
-          <p:cNvSpPr>
-            <a:spLocks noGrp="1"/>
-          </p:cNvSpPr>
-          <p:nvPr>
-            <p:ph type="body" sz="quarter" idx="13"/>
-          </p:nvPr>
-        </p:nvSpPr>
-        <p:spPr/>
-        <p:txBody>
-          <a:bodyPr/>
-          <a:p>
-            <a:pPr marL="0" indent="0">
-              <a:buNone/>
-            </a:pPr>
-            <a:r>
-              <a:rPr lang="x-none" altLang="es-AR" sz="2800"/>
-              <a:t>Resultados</a:t>
-            </a:r>
-            <a:r>
-              <a:rPr lang="x-none" altLang="es-AR"/>
-              <a:t>:</a:t>
-            </a:r>
-            <a:endParaRPr lang="x-none" altLang="es-AR"/>
-          </a:p>
-          <a:p>
-            <a:pPr marL="0" indent="0">
-              <a:buNone/>
-            </a:pPr>
-            <a:endParaRPr lang="x-none" altLang="es-AR"/>
-          </a:p>
-        </p:txBody>
-      </p:sp>
     </p:spTree>
   </p:cSld>
   <p:clrMapOvr>
@@ -7536,7 +8204,7 @@
             <a:spcPct val="130000"/>
           </a:lnSpc>
           <a:defRPr sz="1400" dirty="0" smtClean="0">
-            <a:latin typeface="Arial" charset="0"/>
+            <a:latin typeface="Arial" panose="02080604020202020204" charset="0"/>
             <a:ea typeface="微软雅黑" pitchFamily="34" charset="-122"/>
           </a:defRPr>
         </a:defPPr>
